--- a/Video Ver1/Video PPT/28. Introduction to Joins.pptx
+++ b/Video Ver1/Video PPT/28. Introduction to Joins.pptx
@@ -115,648 +115,46 @@
   </p:defaultTextStyle>
   <p:extLst>
     <p:ext uri="{521415D9-36F7-43E2-AB2F-B90AF26B5E84}">
-      <p14:sectionLst xmlns="" xmlns:p14="http://schemas.microsoft.com/office/powerpoint/2010/main">
+      <p14:sectionLst xmlns:p14="http://schemas.microsoft.com/office/powerpoint/2010/main">
         <p14:section name="Introduction" id="{A3D14946-8297-4856-B082-4FEFA482017C}">
-          <p14:sldIdLst>
-            <p14:sldId id="282"/>
-            <p14:sldId id="257"/>
-            <p14:sldId id="1096"/>
-            <p14:sldId id="1098"/>
-            <p14:sldId id="1093"/>
-            <p14:sldId id="1094"/>
-            <p14:sldId id="1095"/>
-            <p14:sldId id="262"/>
-            <p14:sldId id="1082"/>
-            <p14:sldId id="1099"/>
-            <p14:sldId id="266"/>
-            <p14:sldId id="1100"/>
-            <p14:sldId id="1085"/>
-            <p14:sldId id="1083"/>
-            <p14:sldId id="1070"/>
-            <p14:sldId id="269"/>
-            <p14:sldId id="270"/>
-            <p14:sldId id="271"/>
-            <p14:sldId id="267"/>
-            <p14:sldId id="272"/>
-            <p14:sldId id="273"/>
-          </p14:sldIdLst>
+          <p14:sldIdLst/>
         </p14:section>
         <p14:section name="Data Defination Language" id="{347E00EC-A70B-42D3-B55A-27753B89E162}">
-          <p14:sldIdLst>
-            <p14:sldId id="283"/>
-            <p14:sldId id="274"/>
-            <p14:sldId id="275"/>
-            <p14:sldId id="276"/>
-            <p14:sldId id="285"/>
-            <p14:sldId id="286"/>
-            <p14:sldId id="289"/>
-            <p14:sldId id="290"/>
-            <p14:sldId id="291"/>
-            <p14:sldId id="866"/>
-            <p14:sldId id="292"/>
-            <p14:sldId id="293"/>
-            <p14:sldId id="294"/>
-            <p14:sldId id="295"/>
-            <p14:sldId id="296"/>
-            <p14:sldId id="297"/>
-            <p14:sldId id="298"/>
-            <p14:sldId id="300"/>
-            <p14:sldId id="301"/>
-            <p14:sldId id="302"/>
-            <p14:sldId id="1104"/>
-            <p14:sldId id="1147"/>
-            <p14:sldId id="1150"/>
-            <p14:sldId id="305"/>
-            <p14:sldId id="1151"/>
-            <p14:sldId id="306"/>
-            <p14:sldId id="307"/>
-            <p14:sldId id="308"/>
-            <p14:sldId id="1105"/>
-            <p14:sldId id="1148"/>
-            <p14:sldId id="1152"/>
-            <p14:sldId id="311"/>
-            <p14:sldId id="1153"/>
-            <p14:sldId id="312"/>
-            <p14:sldId id="313"/>
-            <p14:sldId id="314"/>
-            <p14:sldId id="315"/>
-            <p14:sldId id="316"/>
-            <p14:sldId id="1158"/>
-            <p14:sldId id="1156"/>
-            <p14:sldId id="1109"/>
-            <p14:sldId id="1157"/>
-            <p14:sldId id="1110"/>
-            <p14:sldId id="319"/>
-            <p14:sldId id="847"/>
-            <p14:sldId id="320"/>
-            <p14:sldId id="1149"/>
-            <p14:sldId id="1111"/>
-            <p14:sldId id="1154"/>
-            <p14:sldId id="1107"/>
-            <p14:sldId id="1155"/>
-            <p14:sldId id="1108"/>
-            <p14:sldId id="1106"/>
-            <p14:sldId id="321"/>
-            <p14:sldId id="322"/>
-            <p14:sldId id="323"/>
-            <p14:sldId id="324"/>
-            <p14:sldId id="325"/>
-            <p14:sldId id="326"/>
-            <p14:sldId id="327"/>
-            <p14:sldId id="328"/>
-            <p14:sldId id="329"/>
-            <p14:sldId id="330"/>
-            <p14:sldId id="848"/>
-            <p14:sldId id="849"/>
-            <p14:sldId id="851"/>
-            <p14:sldId id="331"/>
-            <p14:sldId id="1144"/>
-            <p14:sldId id="336"/>
-            <p14:sldId id="852"/>
-            <p14:sldId id="334"/>
-            <p14:sldId id="337"/>
-            <p14:sldId id="338"/>
-            <p14:sldId id="339"/>
-            <p14:sldId id="1159"/>
-            <p14:sldId id="1163"/>
-            <p14:sldId id="1160"/>
-            <p14:sldId id="1164"/>
-            <p14:sldId id="1161"/>
-            <p14:sldId id="1165"/>
-            <p14:sldId id="1167"/>
-            <p14:sldId id="1162"/>
-            <p14:sldId id="1166"/>
-            <p14:sldId id="1140"/>
-            <p14:sldId id="340"/>
-            <p14:sldId id="341"/>
-            <p14:sldId id="342"/>
-            <p14:sldId id="343"/>
-            <p14:sldId id="344"/>
-            <p14:sldId id="345"/>
-            <p14:sldId id="346"/>
-            <p14:sldId id="347"/>
-            <p14:sldId id="348"/>
-            <p14:sldId id="349"/>
-            <p14:sldId id="350"/>
-            <p14:sldId id="351"/>
-            <p14:sldId id="352"/>
-            <p14:sldId id="1079"/>
-            <p14:sldId id="1080"/>
-            <p14:sldId id="353"/>
-            <p14:sldId id="354"/>
-            <p14:sldId id="355"/>
-            <p14:sldId id="356"/>
-            <p14:sldId id="357"/>
-            <p14:sldId id="358"/>
-            <p14:sldId id="359"/>
-            <p14:sldId id="360"/>
-            <p14:sldId id="361"/>
-            <p14:sldId id="1131"/>
-            <p14:sldId id="362"/>
-            <p14:sldId id="365"/>
-            <p14:sldId id="366"/>
-          </p14:sldIdLst>
+          <p14:sldIdLst/>
         </p14:section>
         <p14:section name="Data Manuplation Language" id="{DABA1552-33D0-4262-A930-69DA7CCB6843}">
           <p14:sldIdLst>
-            <p14:sldId id="367"/>
-            <p14:sldId id="368"/>
-            <p14:sldId id="369"/>
-            <p14:sldId id="371"/>
-            <p14:sldId id="1126"/>
-            <p14:sldId id="372"/>
-            <p14:sldId id="1125"/>
-            <p14:sldId id="373"/>
-            <p14:sldId id="374"/>
-            <p14:sldId id="375"/>
-            <p14:sldId id="376"/>
-            <p14:sldId id="377"/>
-            <p14:sldId id="380"/>
-            <p14:sldId id="381"/>
-            <p14:sldId id="382"/>
-            <p14:sldId id="383"/>
-            <p14:sldId id="1081"/>
-            <p14:sldId id="384"/>
-            <p14:sldId id="385"/>
-            <p14:sldId id="386"/>
-            <p14:sldId id="387"/>
-            <p14:sldId id="388"/>
-            <p14:sldId id="389"/>
-            <p14:sldId id="390"/>
-            <p14:sldId id="391"/>
-            <p14:sldId id="853"/>
-            <p14:sldId id="1102"/>
-            <p14:sldId id="855"/>
-            <p14:sldId id="856"/>
-            <p14:sldId id="857"/>
-            <p14:sldId id="858"/>
-            <p14:sldId id="393"/>
-            <p14:sldId id="394"/>
-            <p14:sldId id="395"/>
-            <p14:sldId id="397"/>
-            <p14:sldId id="398"/>
-            <p14:sldId id="402"/>
-            <p14:sldId id="403"/>
-            <p14:sldId id="404"/>
-            <p14:sldId id="405"/>
-            <p14:sldId id="406"/>
-            <p14:sldId id="413"/>
-            <p14:sldId id="414"/>
-            <p14:sldId id="415"/>
-            <p14:sldId id="416"/>
-            <p14:sldId id="417"/>
-            <p14:sldId id="418"/>
-            <p14:sldId id="419"/>
-            <p14:sldId id="420"/>
-            <p14:sldId id="421"/>
-            <p14:sldId id="1113"/>
-            <p14:sldId id="1042"/>
-            <p14:sldId id="1114"/>
-            <p14:sldId id="1127"/>
-            <p14:sldId id="1115"/>
-            <p14:sldId id="1116"/>
-            <p14:sldId id="428"/>
-            <p14:sldId id="429"/>
-            <p14:sldId id="1128"/>
-            <p14:sldId id="430"/>
-            <p14:sldId id="431"/>
-            <p14:sldId id="434"/>
-            <p14:sldId id="435"/>
-            <p14:sldId id="436"/>
-            <p14:sldId id="437"/>
-            <p14:sldId id="438"/>
-            <p14:sldId id="443"/>
-            <p14:sldId id="445"/>
-            <p14:sldId id="446"/>
-            <p14:sldId id="440"/>
-            <p14:sldId id="441"/>
-            <p14:sldId id="442"/>
-            <p14:sldId id="453"/>
-            <p14:sldId id="454"/>
-            <p14:sldId id="455"/>
-            <p14:sldId id="456"/>
-            <p14:sldId id="457"/>
-            <p14:sldId id="458"/>
-            <p14:sldId id="459"/>
-            <p14:sldId id="460"/>
-            <p14:sldId id="461"/>
-            <p14:sldId id="462"/>
-            <p14:sldId id="463"/>
-            <p14:sldId id="464"/>
-            <p14:sldId id="467"/>
-            <p14:sldId id="468"/>
-            <p14:sldId id="469"/>
-            <p14:sldId id="470"/>
-            <p14:sldId id="471"/>
-            <p14:sldId id="472"/>
-            <p14:sldId id="473"/>
-            <p14:sldId id="477"/>
-            <p14:sldId id="478"/>
-            <p14:sldId id="479"/>
-            <p14:sldId id="480"/>
-            <p14:sldId id="481"/>
-            <p14:sldId id="482"/>
-            <p14:sldId id="483"/>
-            <p14:sldId id="484"/>
-            <p14:sldId id="485"/>
-            <p14:sldId id="486"/>
-            <p14:sldId id="487"/>
-            <p14:sldId id="488"/>
-            <p14:sldId id="489"/>
-            <p14:sldId id="490"/>
-            <p14:sldId id="491"/>
-            <p14:sldId id="492"/>
-            <p14:sldId id="493"/>
             <p14:sldId id="494"/>
-            <p14:sldId id="495"/>
+            <p14:sldId id="497"/>
             <p14:sldId id="496"/>
-            <p14:sldId id="497"/>
             <p14:sldId id="498"/>
             <p14:sldId id="499"/>
             <p14:sldId id="500"/>
             <p14:sldId id="501"/>
-            <p14:sldId id="502"/>
-            <p14:sldId id="504"/>
-            <p14:sldId id="505"/>
-            <p14:sldId id="506"/>
-            <p14:sldId id="507"/>
-            <p14:sldId id="508"/>
-            <p14:sldId id="509"/>
-            <p14:sldId id="510"/>
-            <p14:sldId id="511"/>
-            <p14:sldId id="512"/>
-            <p14:sldId id="513"/>
-            <p14:sldId id="514"/>
-            <p14:sldId id="515"/>
-            <p14:sldId id="516"/>
-            <p14:sldId id="517"/>
-            <p14:sldId id="518"/>
-            <p14:sldId id="519"/>
-            <p14:sldId id="520"/>
-            <p14:sldId id="521"/>
-            <p14:sldId id="522"/>
-            <p14:sldId id="523"/>
-            <p14:sldId id="1123"/>
-            <p14:sldId id="524"/>
-            <p14:sldId id="1124"/>
-            <p14:sldId id="525"/>
-            <p14:sldId id="526"/>
-            <p14:sldId id="527"/>
-            <p14:sldId id="1122"/>
-            <p14:sldId id="529"/>
-            <p14:sldId id="530"/>
-            <p14:sldId id="531"/>
-            <p14:sldId id="532"/>
-            <p14:sldId id="533"/>
-            <p14:sldId id="534"/>
-            <p14:sldId id="535"/>
-            <p14:sldId id="536"/>
-            <p14:sldId id="537"/>
-            <p14:sldId id="538"/>
-            <p14:sldId id="539"/>
-            <p14:sldId id="540"/>
-            <p14:sldId id="541"/>
-            <p14:sldId id="542"/>
-            <p14:sldId id="543"/>
-            <p14:sldId id="1121"/>
-            <p14:sldId id="544"/>
-            <p14:sldId id="545"/>
-            <p14:sldId id="546"/>
-            <p14:sldId id="547"/>
-            <p14:sldId id="548"/>
-            <p14:sldId id="549"/>
-            <p14:sldId id="550"/>
-            <p14:sldId id="551"/>
-            <p14:sldId id="552"/>
-            <p14:sldId id="553"/>
-            <p14:sldId id="554"/>
-            <p14:sldId id="555"/>
-            <p14:sldId id="556"/>
-            <p14:sldId id="557"/>
-            <p14:sldId id="558"/>
           </p14:sldIdLst>
         </p14:section>
         <p14:section name="Theory Section" id="{34884AC8-2BB3-410A-B367-3356E05FE22B}">
-          <p14:sldIdLst>
-            <p14:sldId id="618"/>
-            <p14:sldId id="563"/>
-            <p14:sldId id="564"/>
-            <p14:sldId id="565"/>
-            <p14:sldId id="566"/>
-            <p14:sldId id="567"/>
-            <p14:sldId id="570"/>
-            <p14:sldId id="571"/>
-            <p14:sldId id="572"/>
-            <p14:sldId id="573"/>
-            <p14:sldId id="574"/>
-            <p14:sldId id="575"/>
-            <p14:sldId id="576"/>
-            <p14:sldId id="577"/>
-            <p14:sldId id="578"/>
-            <p14:sldId id="579"/>
-            <p14:sldId id="580"/>
-            <p14:sldId id="581"/>
-            <p14:sldId id="582"/>
-            <p14:sldId id="583"/>
-            <p14:sldId id="584"/>
-            <p14:sldId id="585"/>
-            <p14:sldId id="586"/>
-            <p14:sldId id="587"/>
-            <p14:sldId id="588"/>
-            <p14:sldId id="589"/>
-            <p14:sldId id="590"/>
-            <p14:sldId id="1141"/>
-            <p14:sldId id="591"/>
-            <p14:sldId id="1142"/>
-            <p14:sldId id="592"/>
-            <p14:sldId id="593"/>
-            <p14:sldId id="1143"/>
-            <p14:sldId id="594"/>
-            <p14:sldId id="595"/>
-            <p14:sldId id="596"/>
-            <p14:sldId id="597"/>
-            <p14:sldId id="598"/>
-            <p14:sldId id="599"/>
-            <p14:sldId id="602"/>
-            <p14:sldId id="603"/>
-            <p14:sldId id="604"/>
-            <p14:sldId id="605"/>
-            <p14:sldId id="606"/>
-            <p14:sldId id="607"/>
-          </p14:sldIdLst>
+          <p14:sldIdLst/>
         </p14:section>
         <p14:section name="Normatization" id="{EF0E5AD4-5FD4-4F19-A19E-E102405AA098}">
-          <p14:sldIdLst>
-            <p14:sldId id="619"/>
-            <p14:sldId id="620"/>
-            <p14:sldId id="621"/>
-            <p14:sldId id="622"/>
-            <p14:sldId id="623"/>
-            <p14:sldId id="624"/>
-            <p14:sldId id="625"/>
-            <p14:sldId id="626"/>
-            <p14:sldId id="627"/>
-            <p14:sldId id="628"/>
-            <p14:sldId id="629"/>
-            <p14:sldId id="630"/>
-            <p14:sldId id="631"/>
-            <p14:sldId id="860"/>
-            <p14:sldId id="861"/>
-            <p14:sldId id="862"/>
-            <p14:sldId id="632"/>
-            <p14:sldId id="633"/>
-            <p14:sldId id="634"/>
-            <p14:sldId id="1086"/>
-            <p14:sldId id="635"/>
-            <p14:sldId id="1087"/>
-            <p14:sldId id="636"/>
-            <p14:sldId id="637"/>
-            <p14:sldId id="1088"/>
-            <p14:sldId id="638"/>
-            <p14:sldId id="639"/>
-            <p14:sldId id="640"/>
-            <p14:sldId id="641"/>
-          </p14:sldIdLst>
+          <p14:sldIdLst/>
         </p14:section>
         <p14:section name="Stored Procedure and Function" id="{B62913B0-EC9F-4436-BEDC-4DCBF9A2B3AB}">
-          <p14:sldIdLst>
-            <p14:sldId id="642"/>
-            <p14:sldId id="643"/>
-            <p14:sldId id="644"/>
-            <p14:sldId id="645"/>
-            <p14:sldId id="646"/>
-            <p14:sldId id="647"/>
-            <p14:sldId id="648"/>
-            <p14:sldId id="649"/>
-            <p14:sldId id="650"/>
-            <p14:sldId id="651"/>
-            <p14:sldId id="652"/>
-            <p14:sldId id="653"/>
-            <p14:sldId id="654"/>
-            <p14:sldId id="655"/>
-            <p14:sldId id="656"/>
-            <p14:sldId id="657"/>
-            <p14:sldId id="658"/>
-            <p14:sldId id="669"/>
-            <p14:sldId id="670"/>
-            <p14:sldId id="1139"/>
-            <p14:sldId id="661"/>
-            <p14:sldId id="662"/>
-            <p14:sldId id="663"/>
-            <p14:sldId id="1132"/>
-            <p14:sldId id="668"/>
-            <p14:sldId id="672"/>
-            <p14:sldId id="673"/>
-            <p14:sldId id="1136"/>
-            <p14:sldId id="1137"/>
-            <p14:sldId id="1138"/>
-            <p14:sldId id="675"/>
-            <p14:sldId id="676"/>
-            <p14:sldId id="677"/>
-            <p14:sldId id="678"/>
-            <p14:sldId id="679"/>
-            <p14:sldId id="680"/>
-          </p14:sldIdLst>
+          <p14:sldIdLst/>
         </p14:section>
         <p14:section name="Triggers" id="{43413A11-6D7B-4E6D-B88B-1C10283CD29F}">
-          <p14:sldIdLst>
-            <p14:sldId id="681"/>
-            <p14:sldId id="682"/>
-            <p14:sldId id="683"/>
-            <p14:sldId id="684"/>
-            <p14:sldId id="686"/>
-            <p14:sldId id="688"/>
-            <p14:sldId id="1133"/>
-            <p14:sldId id="692"/>
-            <p14:sldId id="1134"/>
-            <p14:sldId id="1135"/>
-            <p14:sldId id="689"/>
-            <p14:sldId id="690"/>
-            <p14:sldId id="691"/>
-            <p14:sldId id="693"/>
-            <p14:sldId id="694"/>
-            <p14:sldId id="695"/>
-            <p14:sldId id="696"/>
-            <p14:sldId id="697"/>
-            <p14:sldId id="698"/>
-          </p14:sldIdLst>
+          <p14:sldIdLst/>
         </p14:section>
         <p14:section name="NoSQL" id="{043CF6B2-E975-4043-812B-33699AD3D23F}">
-          <p14:sldIdLst>
-            <p14:sldId id="699"/>
-            <p14:sldId id="700"/>
-            <p14:sldId id="707"/>
-            <p14:sldId id="701"/>
-            <p14:sldId id="702"/>
-            <p14:sldId id="703"/>
-            <p14:sldId id="704"/>
-            <p14:sldId id="1130"/>
-            <p14:sldId id="705"/>
-            <p14:sldId id="708"/>
-            <p14:sldId id="1089"/>
-            <p14:sldId id="864"/>
-            <p14:sldId id="709"/>
-            <p14:sldId id="710"/>
-            <p14:sldId id="711"/>
-            <p14:sldId id="712"/>
-            <p14:sldId id="713"/>
-            <p14:sldId id="714"/>
-            <p14:sldId id="715"/>
-            <p14:sldId id="716"/>
-            <p14:sldId id="717"/>
-            <p14:sldId id="718"/>
-            <p14:sldId id="719"/>
-            <p14:sldId id="720"/>
-            <p14:sldId id="721"/>
-            <p14:sldId id="722"/>
-            <p14:sldId id="723"/>
-            <p14:sldId id="724"/>
-            <p14:sldId id="725"/>
-            <p14:sldId id="726"/>
-            <p14:sldId id="727"/>
-            <p14:sldId id="728"/>
-            <p14:sldId id="729"/>
-            <p14:sldId id="730"/>
-            <p14:sldId id="731"/>
-            <p14:sldId id="732"/>
-            <p14:sldId id="733"/>
-            <p14:sldId id="734"/>
-            <p14:sldId id="735"/>
-            <p14:sldId id="736"/>
-            <p14:sldId id="737"/>
-            <p14:sldId id="738"/>
-            <p14:sldId id="739"/>
-            <p14:sldId id="740"/>
-            <p14:sldId id="741"/>
-            <p14:sldId id="742"/>
-            <p14:sldId id="743"/>
-            <p14:sldId id="744"/>
-            <p14:sldId id="745"/>
-            <p14:sldId id="746"/>
-            <p14:sldId id="747"/>
-            <p14:sldId id="748"/>
-            <p14:sldId id="749"/>
-            <p14:sldId id="750"/>
-            <p14:sldId id="751"/>
-            <p14:sldId id="752"/>
-            <p14:sldId id="753"/>
-            <p14:sldId id="754"/>
-            <p14:sldId id="755"/>
-            <p14:sldId id="756"/>
-            <p14:sldId id="757"/>
-            <p14:sldId id="758"/>
-            <p14:sldId id="759"/>
-            <p14:sldId id="760"/>
-            <p14:sldId id="761"/>
-            <p14:sldId id="762"/>
-            <p14:sldId id="763"/>
-            <p14:sldId id="764"/>
-            <p14:sldId id="765"/>
-            <p14:sldId id="766"/>
-            <p14:sldId id="767"/>
-            <p14:sldId id="768"/>
-            <p14:sldId id="769"/>
-            <p14:sldId id="770"/>
-            <p14:sldId id="771"/>
-            <p14:sldId id="772"/>
-            <p14:sldId id="773"/>
-            <p14:sldId id="774"/>
-            <p14:sldId id="775"/>
-            <p14:sldId id="776"/>
-            <p14:sldId id="777"/>
-            <p14:sldId id="778"/>
-            <p14:sldId id="779"/>
-            <p14:sldId id="780"/>
-            <p14:sldId id="781"/>
-            <p14:sldId id="782"/>
-            <p14:sldId id="783"/>
-            <p14:sldId id="784"/>
-            <p14:sldId id="785"/>
-            <p14:sldId id="786"/>
-            <p14:sldId id="787"/>
-            <p14:sldId id="788"/>
-            <p14:sldId id="789"/>
-            <p14:sldId id="790"/>
-            <p14:sldId id="791"/>
-            <p14:sldId id="792"/>
-            <p14:sldId id="793"/>
-            <p14:sldId id="794"/>
-            <p14:sldId id="795"/>
-            <p14:sldId id="796"/>
-            <p14:sldId id="797"/>
-            <p14:sldId id="798"/>
-            <p14:sldId id="799"/>
-            <p14:sldId id="800"/>
-            <p14:sldId id="801"/>
-            <p14:sldId id="802"/>
-            <p14:sldId id="803"/>
-            <p14:sldId id="804"/>
-            <p14:sldId id="805"/>
-            <p14:sldId id="806"/>
-            <p14:sldId id="807"/>
-            <p14:sldId id="808"/>
-            <p14:sldId id="809"/>
-            <p14:sldId id="810"/>
-            <p14:sldId id="811"/>
-            <p14:sldId id="812"/>
-            <p14:sldId id="813"/>
-            <p14:sldId id="814"/>
-            <p14:sldId id="815"/>
-            <p14:sldId id="816"/>
-            <p14:sldId id="817"/>
-            <p14:sldId id="818"/>
-            <p14:sldId id="819"/>
-            <p14:sldId id="820"/>
-            <p14:sldId id="821"/>
-            <p14:sldId id="822"/>
-            <p14:sldId id="823"/>
-            <p14:sldId id="824"/>
-            <p14:sldId id="825"/>
-            <p14:sldId id="826"/>
-            <p14:sldId id="827"/>
-            <p14:sldId id="828"/>
-            <p14:sldId id="829"/>
-            <p14:sldId id="830"/>
-            <p14:sldId id="831"/>
-            <p14:sldId id="832"/>
-            <p14:sldId id="833"/>
-            <p14:sldId id="834"/>
-            <p14:sldId id="835"/>
-            <p14:sldId id="836"/>
-            <p14:sldId id="837"/>
-            <p14:sldId id="838"/>
-            <p14:sldId id="839"/>
-            <p14:sldId id="840"/>
-            <p14:sldId id="841"/>
-          </p14:sldIdLst>
+          <p14:sldIdLst/>
         </p14:section>
         <p14:section name="Big Data" id="{714FF753-78D3-4CFC-AD17-400810612444}">
-          <p14:sldIdLst>
-            <p14:sldId id="842"/>
-            <p14:sldId id="843"/>
-            <p14:sldId id="844"/>
-            <p14:sldId id="845"/>
-            <p14:sldId id="863"/>
-            <p14:sldId id="865"/>
-            <p14:sldId id="846"/>
-            <p14:sldId id="503"/>
-            <p14:sldId id="1101"/>
-            <p14:sldId id="1118"/>
-            <p14:sldId id="1120"/>
-            <p14:sldId id="1171"/>
-            <p14:sldId id="1170"/>
-            <p14:sldId id="1169"/>
-            <p14:sldId id="1168"/>
-            <p14:sldId id="1172"/>
-            <p14:sldId id="1173"/>
-            <p14:sldId id="1174"/>
-            <p14:sldId id="1175"/>
-          </p14:sldIdLst>
+          <p14:sldIdLst/>
         </p14:section>
       </p14:sectionLst>
     </p:ext>
     <p:ext uri="{EFAFB233-063F-42B5-8137-9DF3F51BA10A}">
-      <p15:sldGuideLst xmlns="" xmlns:p15="http://schemas.microsoft.com/office/powerpoint/2012/main">
+      <p15:sldGuideLst xmlns:p15="http://schemas.microsoft.com/office/powerpoint/2012/main">
         <p15:guide id="1" orient="horz" pos="2160">
           <p15:clr>
             <a:srgbClr val="A4A3A4"/>
@@ -778,7 +176,7 @@
   <p:cmAuthor id="1" name="Saleel" initials="S" lastIdx="1" clrIdx="0">
     <p:extLst>
       <p:ext uri="{19B8F6BF-5375-455C-9EA6-DF929625EA0E}">
-        <p15:presenceInfo xmlns="" xmlns:p15="http://schemas.microsoft.com/office/powerpoint/2012/main" userId="Saleel" providerId="None"/>
+        <p15:presenceInfo xmlns:p15="http://schemas.microsoft.com/office/powerpoint/2012/main" userId="Saleel" providerId="None"/>
       </p:ext>
     </p:extLst>
   </p:cmAuthor>
@@ -868,7 +266,7 @@
             <a:fld id="{4DF51050-3720-483B-B552-57DC1341D582}" type="datetimeFigureOut">
               <a:rPr lang="en-US" smtClean="0"/>
               <a:pPr/>
-              <a:t>6/6/2020</a:t>
+              <a:t>6/12/2020</a:t>
             </a:fld>
             <a:endParaRPr lang="en-US"/>
           </a:p>
@@ -1327,7 +725,7 @@
             <a:fld id="{EEE556E8-492E-4E8F-8E7F-7A7787724D01}" type="datetimeFigureOut">
               <a:rPr lang="en-US" smtClean="0"/>
               <a:pPr/>
-              <a:t>6/6/2020</a:t>
+              <a:t>6/12/2020</a:t>
             </a:fld>
             <a:endParaRPr lang="en-US"/>
           </a:p>
@@ -1532,7 +930,7 @@
             <a:fld id="{EEE556E8-492E-4E8F-8E7F-7A7787724D01}" type="datetimeFigureOut">
               <a:rPr lang="en-US" smtClean="0"/>
               <a:pPr/>
-              <a:t>6/6/2020</a:t>
+              <a:t>6/12/2020</a:t>
             </a:fld>
             <a:endParaRPr lang="en-US"/>
           </a:p>
@@ -1737,7 +1135,7 @@
             <a:fld id="{EEE556E8-492E-4E8F-8E7F-7A7787724D01}" type="datetimeFigureOut">
               <a:rPr lang="en-US" smtClean="0"/>
               <a:pPr/>
-              <a:t>6/6/2020</a:t>
+              <a:t>6/12/2020</a:t>
             </a:fld>
             <a:endParaRPr lang="en-US"/>
           </a:p>
@@ -1942,7 +1340,7 @@
             <a:fld id="{EEE556E8-492E-4E8F-8E7F-7A7787724D01}" type="datetimeFigureOut">
               <a:rPr lang="en-US" smtClean="0"/>
               <a:pPr/>
-              <a:t>6/6/2020</a:t>
+              <a:t>6/12/2020</a:t>
             </a:fld>
             <a:endParaRPr lang="en-US"/>
           </a:p>
@@ -2214,7 +1612,7 @@
             <a:fld id="{EEE556E8-492E-4E8F-8E7F-7A7787724D01}" type="datetimeFigureOut">
               <a:rPr lang="en-US" smtClean="0"/>
               <a:pPr/>
-              <a:t>6/6/2020</a:t>
+              <a:t>6/12/2020</a:t>
             </a:fld>
             <a:endParaRPr lang="en-US"/>
           </a:p>
@@ -2534,7 +1932,7 @@
             <a:fld id="{EEE556E8-492E-4E8F-8E7F-7A7787724D01}" type="datetimeFigureOut">
               <a:rPr lang="en-US" smtClean="0"/>
               <a:pPr/>
-              <a:t>6/6/2020</a:t>
+              <a:t>6/12/2020</a:t>
             </a:fld>
             <a:endParaRPr lang="en-US"/>
           </a:p>
@@ -2994,7 +2392,7 @@
             <a:fld id="{EEE556E8-492E-4E8F-8E7F-7A7787724D01}" type="datetimeFigureOut">
               <a:rPr lang="en-US" smtClean="0"/>
               <a:pPr/>
-              <a:t>6/6/2020</a:t>
+              <a:t>6/12/2020</a:t>
             </a:fld>
             <a:endParaRPr lang="en-US"/>
           </a:p>
@@ -3140,7 +2538,7 @@
             <a:fld id="{EEE556E8-492E-4E8F-8E7F-7A7787724D01}" type="datetimeFigureOut">
               <a:rPr lang="en-US" smtClean="0"/>
               <a:pPr/>
-              <a:t>6/6/2020</a:t>
+              <a:t>6/12/2020</a:t>
             </a:fld>
             <a:endParaRPr lang="en-US"/>
           </a:p>
@@ -3470,7 +2868,7 @@
             <a:fld id="{EEE556E8-492E-4E8F-8E7F-7A7787724D01}" type="datetimeFigureOut">
               <a:rPr lang="en-US" smtClean="0"/>
               <a:pPr/>
-              <a:t>6/6/2020</a:t>
+              <a:t>6/12/2020</a:t>
             </a:fld>
             <a:endParaRPr lang="en-US"/>
           </a:p>
@@ -3752,7 +3150,7 @@
             <a:fld id="{EEE556E8-492E-4E8F-8E7F-7A7787724D01}" type="datetimeFigureOut">
               <a:rPr lang="en-US" smtClean="0"/>
               <a:pPr/>
-              <a:t>6/6/2020</a:t>
+              <a:t>6/12/2020</a:t>
             </a:fld>
             <a:endParaRPr lang="en-US"/>
           </a:p>
@@ -4181,7 +3579,7 @@
           <p:cNvPr id="3" name="Picture 2">
             <a:extLst>
               <a:ext uri="{FF2B5EF4-FFF2-40B4-BE49-F238E27FC236}">
-                <a16:creationId xmlns="" xmlns:a16="http://schemas.microsoft.com/office/drawing/2014/main" id="{41A85463-8A73-4AAF-B006-A8206B2E4A66}"/>
+                <a16:creationId xmlns:a16="http://schemas.microsoft.com/office/drawing/2014/main" id="{41A85463-8A73-4AAF-B006-A8206B2E4A66}"/>
               </a:ext>
             </a:extLst>
           </p:cNvPr>
@@ -4194,7 +3592,7 @@
           <a:blip r:embed="rId2" cstate="print">
             <a:extLst>
               <a:ext uri="{28A0092B-C50C-407E-A947-70E740481C1C}">
-                <a14:useLocalDpi xmlns="" xmlns:a14="http://schemas.microsoft.com/office/drawing/2010/main" val="0"/>
+                <a14:useLocalDpi xmlns:a14="http://schemas.microsoft.com/office/drawing/2010/main" val="0"/>
               </a:ext>
             </a:extLst>
           </a:blip>
@@ -4217,7 +3615,7 @@
           <p:cNvPr id="4" name="Footer Placeholder 2">
             <a:extLst>
               <a:ext uri="{FF2B5EF4-FFF2-40B4-BE49-F238E27FC236}">
-                <a16:creationId xmlns="" xmlns:a16="http://schemas.microsoft.com/office/drawing/2014/main" id="{4610B96E-6F6B-4597-8ADF-B68C8A17E820}"/>
+                <a16:creationId xmlns:a16="http://schemas.microsoft.com/office/drawing/2014/main" id="{4610B96E-6F6B-4597-8ADF-B68C8A17E820}"/>
               </a:ext>
             </a:extLst>
           </p:cNvPr>
@@ -4400,7 +3798,7 @@
     </p:spTree>
     <p:extLst>
       <p:ext uri="{BB962C8B-B14F-4D97-AF65-F5344CB8AC3E}">
-        <p14:creationId xmlns="" xmlns:p14="http://schemas.microsoft.com/office/powerpoint/2010/main" val="4253925860"/>
+        <p14:creationId xmlns:p14="http://schemas.microsoft.com/office/powerpoint/2010/main" val="4253925860"/>
       </p:ext>
     </p:extLst>
   </p:cSld>
@@ -4475,7 +3873,7 @@
           <p:cNvPr id="3" name="Picture 2">
             <a:extLst>
               <a:ext uri="{FF2B5EF4-FFF2-40B4-BE49-F238E27FC236}">
-                <a16:creationId xmlns="" xmlns:a16="http://schemas.microsoft.com/office/drawing/2014/main" id="{41A85463-8A73-4AAF-B006-A8206B2E4A66}"/>
+                <a16:creationId xmlns:a16="http://schemas.microsoft.com/office/drawing/2014/main" id="{41A85463-8A73-4AAF-B006-A8206B2E4A66}"/>
               </a:ext>
             </a:extLst>
           </p:cNvPr>
@@ -4488,7 +3886,7 @@
           <a:blip r:embed="rId2" cstate="print">
             <a:extLst>
               <a:ext uri="{28A0092B-C50C-407E-A947-70E740481C1C}">
-                <a14:useLocalDpi xmlns="" xmlns:a14="http://schemas.microsoft.com/office/drawing/2010/main" val="0"/>
+                <a14:useLocalDpi xmlns:a14="http://schemas.microsoft.com/office/drawing/2010/main" val="0"/>
               </a:ext>
             </a:extLst>
           </a:blip>
@@ -4511,7 +3909,7 @@
           <p:cNvPr id="4" name="Footer Placeholder 2">
             <a:extLst>
               <a:ext uri="{FF2B5EF4-FFF2-40B4-BE49-F238E27FC236}">
-                <a16:creationId xmlns="" xmlns:a16="http://schemas.microsoft.com/office/drawing/2014/main" id="{4610B96E-6F6B-4597-8ADF-B68C8A17E820}"/>
+                <a16:creationId xmlns:a16="http://schemas.microsoft.com/office/drawing/2014/main" id="{4610B96E-6F6B-4597-8ADF-B68C8A17E820}"/>
               </a:ext>
             </a:extLst>
           </p:cNvPr>
@@ -4764,7 +4162,7 @@
     </p:spTree>
     <p:extLst>
       <p:ext uri="{BB962C8B-B14F-4D97-AF65-F5344CB8AC3E}">
-        <p14:creationId xmlns="" xmlns:p14="http://schemas.microsoft.com/office/powerpoint/2010/main" val="4253925860"/>
+        <p14:creationId xmlns:p14="http://schemas.microsoft.com/office/powerpoint/2010/main" val="4253925860"/>
       </p:ext>
     </p:extLst>
   </p:cSld>
@@ -5005,7 +4403,7 @@
           <p:cNvPr id="5" name="Picture 4">
             <a:extLst>
               <a:ext uri="{FF2B5EF4-FFF2-40B4-BE49-F238E27FC236}">
-                <a16:creationId xmlns="" xmlns:a16="http://schemas.microsoft.com/office/drawing/2014/main" id="{80A95AA2-4844-43C8-9208-2E7A2BF1C7BA}"/>
+                <a16:creationId xmlns:a16="http://schemas.microsoft.com/office/drawing/2014/main" id="{80A95AA2-4844-43C8-9208-2E7A2BF1C7BA}"/>
               </a:ext>
             </a:extLst>
           </p:cNvPr>
@@ -5018,7 +4416,7 @@
           <a:blip r:embed="rId2" cstate="print">
             <a:extLst>
               <a:ext uri="{28A0092B-C50C-407E-A947-70E740481C1C}">
-                <a14:useLocalDpi xmlns="" xmlns:a14="http://schemas.microsoft.com/office/drawing/2010/main" val="0"/>
+                <a14:useLocalDpi xmlns:a14="http://schemas.microsoft.com/office/drawing/2010/main" val="0"/>
               </a:ext>
             </a:extLst>
           </a:blip>
@@ -5041,7 +4439,7 @@
           <p:cNvPr id="7" name="Footer Placeholder 2">
             <a:extLst>
               <a:ext uri="{FF2B5EF4-FFF2-40B4-BE49-F238E27FC236}">
-                <a16:creationId xmlns="" xmlns:a16="http://schemas.microsoft.com/office/drawing/2014/main" id="{2196042C-8979-4101-B0F1-8A01C03AF006}"/>
+                <a16:creationId xmlns:a16="http://schemas.microsoft.com/office/drawing/2014/main" id="{2196042C-8979-4101-B0F1-8A01C03AF006}"/>
               </a:ext>
             </a:extLst>
           </p:cNvPr>
@@ -5214,7 +4612,7 @@
     </p:spTree>
     <p:extLst>
       <p:ext uri="{BB962C8B-B14F-4D97-AF65-F5344CB8AC3E}">
-        <p14:creationId xmlns="" xmlns:p14="http://schemas.microsoft.com/office/powerpoint/2010/main" val="2579396880"/>
+        <p14:creationId xmlns:p14="http://schemas.microsoft.com/office/powerpoint/2010/main" val="2579396880"/>
       </p:ext>
     </p:extLst>
   </p:cSld>
@@ -5344,7 +4742,7 @@
           <p:cNvPr id="10" name="Picture 9">
             <a:extLst>
               <a:ext uri="{FF2B5EF4-FFF2-40B4-BE49-F238E27FC236}">
-                <a16:creationId xmlns="" xmlns:a16="http://schemas.microsoft.com/office/drawing/2014/main" id="{DC1AD0D1-FD35-4B55-84D6-1ED3F558EF4B}"/>
+                <a16:creationId xmlns:a16="http://schemas.microsoft.com/office/drawing/2014/main" id="{DC1AD0D1-FD35-4B55-84D6-1ED3F558EF4B}"/>
               </a:ext>
             </a:extLst>
           </p:cNvPr>
@@ -5357,7 +4755,7 @@
           <a:blip r:embed="rId3" cstate="print">
             <a:extLst>
               <a:ext uri="{28A0092B-C50C-407E-A947-70E740481C1C}">
-                <a14:useLocalDpi xmlns="" xmlns:a14="http://schemas.microsoft.com/office/drawing/2010/main" val="0"/>
+                <a14:useLocalDpi xmlns:a14="http://schemas.microsoft.com/office/drawing/2010/main" val="0"/>
               </a:ext>
             </a:extLst>
           </a:blip>
@@ -5380,7 +4778,7 @@
           <p:cNvPr id="11" name="Footer Placeholder 2">
             <a:extLst>
               <a:ext uri="{FF2B5EF4-FFF2-40B4-BE49-F238E27FC236}">
-                <a16:creationId xmlns="" xmlns:a16="http://schemas.microsoft.com/office/drawing/2014/main" id="{9136102A-0328-4024-96D1-832FE306DC26}"/>
+                <a16:creationId xmlns:a16="http://schemas.microsoft.com/office/drawing/2014/main" id="{9136102A-0328-4024-96D1-832FE306DC26}"/>
               </a:ext>
             </a:extLst>
           </p:cNvPr>
@@ -5510,7 +4908,7 @@
     </p:spTree>
     <p:extLst>
       <p:ext uri="{BB962C8B-B14F-4D97-AF65-F5344CB8AC3E}">
-        <p14:creationId xmlns="" xmlns:p14="http://schemas.microsoft.com/office/powerpoint/2010/main" val="4233626751"/>
+        <p14:creationId xmlns:p14="http://schemas.microsoft.com/office/powerpoint/2010/main" val="4233626751"/>
       </p:ext>
     </p:extLst>
   </p:cSld>
@@ -5694,7 +5092,7 @@
           <p:cNvPr id="8" name="Rectangle 7">
             <a:extLst>
               <a:ext uri="{FF2B5EF4-FFF2-40B4-BE49-F238E27FC236}">
-                <a16:creationId xmlns="" xmlns:a16="http://schemas.microsoft.com/office/drawing/2014/main" id="{64E59AB9-D23B-4A69-B7D4-4733E25BD424}"/>
+                <a16:creationId xmlns:a16="http://schemas.microsoft.com/office/drawing/2014/main" id="{64E59AB9-D23B-4A69-B7D4-4733E25BD424}"/>
               </a:ext>
             </a:extLst>
           </p:cNvPr>
@@ -5731,7 +5129,7 @@
           <p:cNvPr id="7" name="Picture 6">
             <a:extLst>
               <a:ext uri="{FF2B5EF4-FFF2-40B4-BE49-F238E27FC236}">
-                <a16:creationId xmlns="" xmlns:a16="http://schemas.microsoft.com/office/drawing/2014/main" id="{D549EEF8-0DDC-4ADB-8B68-691DD0B6B1E9}"/>
+                <a16:creationId xmlns:a16="http://schemas.microsoft.com/office/drawing/2014/main" id="{D549EEF8-0DDC-4ADB-8B68-691DD0B6B1E9}"/>
               </a:ext>
             </a:extLst>
           </p:cNvPr>
@@ -5744,7 +5142,7 @@
           <a:blip r:embed="rId2" cstate="print">
             <a:extLst>
               <a:ext uri="{28A0092B-C50C-407E-A947-70E740481C1C}">
-                <a14:useLocalDpi xmlns="" xmlns:a14="http://schemas.microsoft.com/office/drawing/2010/main" val="0"/>
+                <a14:useLocalDpi xmlns:a14="http://schemas.microsoft.com/office/drawing/2010/main" val="0"/>
               </a:ext>
             </a:extLst>
           </a:blip>
@@ -5767,7 +5165,7 @@
           <p:cNvPr id="9" name="Footer Placeholder 2">
             <a:extLst>
               <a:ext uri="{FF2B5EF4-FFF2-40B4-BE49-F238E27FC236}">
-                <a16:creationId xmlns="" xmlns:a16="http://schemas.microsoft.com/office/drawing/2014/main" id="{FE7D71F0-97C1-4A7C-A634-BE2CA956F0C6}"/>
+                <a16:creationId xmlns:a16="http://schemas.microsoft.com/office/drawing/2014/main" id="{FE7D71F0-97C1-4A7C-A634-BE2CA956F0C6}"/>
               </a:ext>
             </a:extLst>
           </p:cNvPr>
@@ -5894,609 +5292,34 @@
           </a:p>
         </p:txBody>
       </p:sp>
-      <p:grpSp>
-        <p:nvGrpSpPr>
-          <p:cNvPr id="10" name="Group 9"/>
-          <p:cNvGrpSpPr/>
+      <p:pic>
+        <p:nvPicPr>
+          <p:cNvPr id="2" name="Picture 1"/>
+          <p:cNvPicPr>
+            <a:picLocks noChangeAspect="1"/>
+          </p:cNvPicPr>
           <p:nvPr/>
-        </p:nvGrpSpPr>
-        <p:grpSpPr>
-          <a:xfrm>
-            <a:off x="1342678" y="2132856"/>
-            <a:ext cx="8568702" cy="3096344"/>
-            <a:chOff x="478832" y="3140968"/>
-            <a:chExt cx="8568702" cy="3096344"/>
-          </a:xfrm>
-        </p:grpSpPr>
-        <p:pic>
-          <p:nvPicPr>
-            <p:cNvPr id="11" name="Picture 2"/>
-            <p:cNvPicPr>
-              <a:picLocks noChangeAspect="1" noChangeArrowheads="1"/>
-            </p:cNvPicPr>
-            <p:nvPr/>
-          </p:nvPicPr>
-          <p:blipFill>
-            <a:blip r:embed="rId3" cstate="print"/>
-            <a:srcRect/>
-            <a:stretch>
-              <a:fillRect/>
-            </a:stretch>
-          </p:blipFill>
-          <p:spPr bwMode="auto">
-            <a:xfrm>
-              <a:off x="478832" y="3140968"/>
-              <a:ext cx="8568702" cy="3096344"/>
-            </a:xfrm>
-            <a:prstGeom prst="rect">
-              <a:avLst/>
-            </a:prstGeom>
-            <a:noFill/>
-            <a:ln w="9525">
-              <a:noFill/>
-              <a:miter lim="800000"/>
-              <a:headEnd/>
-              <a:tailEnd/>
-            </a:ln>
-          </p:spPr>
-        </p:pic>
-        <p:sp>
-          <p:nvSpPr>
-            <p:cNvPr id="12" name="Rectangle 11"/>
-            <p:cNvSpPr/>
-            <p:nvPr/>
-          </p:nvSpPr>
-          <p:spPr>
-            <a:xfrm>
-              <a:off x="550590" y="3140968"/>
-              <a:ext cx="1512168" cy="504056"/>
-            </a:xfrm>
-            <a:prstGeom prst="rect">
-              <a:avLst/>
-            </a:prstGeom>
-            <a:noFill/>
-            <a:ln w="3175">
-              <a:solidFill>
-                <a:schemeClr val="tx1"/>
-              </a:solidFill>
-            </a:ln>
-          </p:spPr>
-          <p:style>
-            <a:lnRef idx="2">
-              <a:schemeClr val="accent1">
-                <a:shade val="50000"/>
-              </a:schemeClr>
-            </a:lnRef>
-            <a:fillRef idx="1">
-              <a:schemeClr val="accent1"/>
-            </a:fillRef>
-            <a:effectRef idx="0">
-              <a:schemeClr val="accent1"/>
-            </a:effectRef>
-            <a:fontRef idx="minor">
-              <a:schemeClr val="lt1"/>
-            </a:fontRef>
-          </p:style>
-          <p:txBody>
-            <a:bodyPr rtlCol="0" anchor="ctr"/>
-            <a:lstStyle/>
-            <a:p>
-              <a:pPr algn="ctr"/>
-              <a:endParaRPr lang="en-US"/>
-            </a:p>
-          </p:txBody>
-        </p:sp>
-        <p:sp>
-          <p:nvSpPr>
-            <p:cNvPr id="13" name="Rectangle 12"/>
-            <p:cNvSpPr/>
-            <p:nvPr/>
-          </p:nvSpPr>
-          <p:spPr>
-            <a:xfrm>
-              <a:off x="550590" y="3760574"/>
-              <a:ext cx="1512168" cy="504056"/>
-            </a:xfrm>
-            <a:prstGeom prst="rect">
-              <a:avLst/>
-            </a:prstGeom>
-            <a:noFill/>
-            <a:ln w="3175">
-              <a:solidFill>
-                <a:schemeClr val="tx1"/>
-              </a:solidFill>
-            </a:ln>
-          </p:spPr>
-          <p:style>
-            <a:lnRef idx="2">
-              <a:schemeClr val="accent1">
-                <a:shade val="50000"/>
-              </a:schemeClr>
-            </a:lnRef>
-            <a:fillRef idx="1">
-              <a:schemeClr val="accent1"/>
-            </a:fillRef>
-            <a:effectRef idx="0">
-              <a:schemeClr val="accent1"/>
-            </a:effectRef>
-            <a:fontRef idx="minor">
-              <a:schemeClr val="lt1"/>
-            </a:fontRef>
-          </p:style>
-          <p:txBody>
-            <a:bodyPr rtlCol="0" anchor="ctr"/>
-            <a:lstStyle/>
-            <a:p>
-              <a:pPr algn="ctr"/>
-              <a:endParaRPr lang="en-US"/>
-            </a:p>
-          </p:txBody>
-        </p:sp>
-        <p:sp>
-          <p:nvSpPr>
-            <p:cNvPr id="14" name="Rectangle 13"/>
-            <p:cNvSpPr/>
-            <p:nvPr/>
-          </p:nvSpPr>
-          <p:spPr>
-            <a:xfrm>
-              <a:off x="550590" y="4365104"/>
-              <a:ext cx="1512168" cy="504056"/>
-            </a:xfrm>
-            <a:prstGeom prst="rect">
-              <a:avLst/>
-            </a:prstGeom>
-            <a:noFill/>
-            <a:ln w="3175">
-              <a:solidFill>
-                <a:schemeClr val="tx1"/>
-              </a:solidFill>
-            </a:ln>
-          </p:spPr>
-          <p:style>
-            <a:lnRef idx="2">
-              <a:schemeClr val="accent1">
-                <a:shade val="50000"/>
-              </a:schemeClr>
-            </a:lnRef>
-            <a:fillRef idx="1">
-              <a:schemeClr val="accent1"/>
-            </a:fillRef>
-            <a:effectRef idx="0">
-              <a:schemeClr val="accent1"/>
-            </a:effectRef>
-            <a:fontRef idx="minor">
-              <a:schemeClr val="lt1"/>
-            </a:fontRef>
-          </p:style>
-          <p:txBody>
-            <a:bodyPr rtlCol="0" anchor="ctr"/>
-            <a:lstStyle/>
-            <a:p>
-              <a:pPr algn="ctr"/>
-              <a:endParaRPr lang="en-US"/>
-            </a:p>
-          </p:txBody>
-        </p:sp>
-        <p:sp>
-          <p:nvSpPr>
-            <p:cNvPr id="15" name="Rectangle 14"/>
-            <p:cNvSpPr/>
-            <p:nvPr/>
-          </p:nvSpPr>
-          <p:spPr>
-            <a:xfrm>
-              <a:off x="550590" y="5013176"/>
-              <a:ext cx="1512168" cy="504056"/>
-            </a:xfrm>
-            <a:prstGeom prst="rect">
-              <a:avLst/>
-            </a:prstGeom>
-            <a:noFill/>
-            <a:ln w="3175">
-              <a:solidFill>
-                <a:schemeClr val="tx1"/>
-              </a:solidFill>
-            </a:ln>
-          </p:spPr>
-          <p:style>
-            <a:lnRef idx="2">
-              <a:schemeClr val="accent1">
-                <a:shade val="50000"/>
-              </a:schemeClr>
-            </a:lnRef>
-            <a:fillRef idx="1">
-              <a:schemeClr val="accent1"/>
-            </a:fillRef>
-            <a:effectRef idx="0">
-              <a:schemeClr val="accent1"/>
-            </a:effectRef>
-            <a:fontRef idx="minor">
-              <a:schemeClr val="lt1"/>
-            </a:fontRef>
-          </p:style>
-          <p:txBody>
-            <a:bodyPr rtlCol="0" anchor="ctr"/>
-            <a:lstStyle/>
-            <a:p>
-              <a:pPr algn="ctr"/>
-              <a:endParaRPr lang="en-US"/>
-            </a:p>
-          </p:txBody>
-        </p:sp>
-        <p:sp>
-          <p:nvSpPr>
-            <p:cNvPr id="16" name="Rectangle 15"/>
-            <p:cNvSpPr/>
-            <p:nvPr/>
-          </p:nvSpPr>
-          <p:spPr>
-            <a:xfrm>
-              <a:off x="550590" y="5575288"/>
-              <a:ext cx="1512168" cy="504056"/>
-            </a:xfrm>
-            <a:prstGeom prst="rect">
-              <a:avLst/>
-            </a:prstGeom>
-            <a:noFill/>
-            <a:ln w="3175">
-              <a:solidFill>
-                <a:schemeClr val="tx1"/>
-              </a:solidFill>
-            </a:ln>
-          </p:spPr>
-          <p:style>
-            <a:lnRef idx="2">
-              <a:schemeClr val="accent1">
-                <a:shade val="50000"/>
-              </a:schemeClr>
-            </a:lnRef>
-            <a:fillRef idx="1">
-              <a:schemeClr val="accent1"/>
-            </a:fillRef>
-            <a:effectRef idx="0">
-              <a:schemeClr val="accent1"/>
-            </a:effectRef>
-            <a:fontRef idx="minor">
-              <a:schemeClr val="lt1"/>
-            </a:fontRef>
-          </p:style>
-          <p:txBody>
-            <a:bodyPr rtlCol="0" anchor="ctr"/>
-            <a:lstStyle/>
-            <a:p>
-              <a:pPr algn="ctr"/>
-              <a:endParaRPr lang="en-US"/>
-            </a:p>
-          </p:txBody>
-        </p:sp>
-        <p:sp>
-          <p:nvSpPr>
-            <p:cNvPr id="17" name="Rectangle 16"/>
-            <p:cNvSpPr/>
-            <p:nvPr/>
-          </p:nvSpPr>
-          <p:spPr>
-            <a:xfrm>
-              <a:off x="3603392" y="3789040"/>
-              <a:ext cx="1512168" cy="504056"/>
-            </a:xfrm>
-            <a:prstGeom prst="rect">
-              <a:avLst/>
-            </a:prstGeom>
-            <a:noFill/>
-            <a:ln w="3175">
-              <a:solidFill>
-                <a:schemeClr val="tx1"/>
-              </a:solidFill>
-            </a:ln>
-          </p:spPr>
-          <p:style>
-            <a:lnRef idx="2">
-              <a:schemeClr val="accent1">
-                <a:shade val="50000"/>
-              </a:schemeClr>
-            </a:lnRef>
-            <a:fillRef idx="1">
-              <a:schemeClr val="accent1"/>
-            </a:fillRef>
-            <a:effectRef idx="0">
-              <a:schemeClr val="accent1"/>
-            </a:effectRef>
-            <a:fontRef idx="minor">
-              <a:schemeClr val="lt1"/>
-            </a:fontRef>
-          </p:style>
-          <p:txBody>
-            <a:bodyPr rtlCol="0" anchor="ctr"/>
-            <a:lstStyle/>
-            <a:p>
-              <a:pPr algn="ctr"/>
-              <a:endParaRPr lang="en-US"/>
-            </a:p>
-          </p:txBody>
-        </p:sp>
-        <p:sp>
-          <p:nvSpPr>
-            <p:cNvPr id="18" name="Rectangle 17"/>
-            <p:cNvSpPr/>
-            <p:nvPr/>
-          </p:nvSpPr>
-          <p:spPr>
-            <a:xfrm>
-              <a:off x="3603392" y="4394132"/>
-              <a:ext cx="1512168" cy="504056"/>
-            </a:xfrm>
-            <a:prstGeom prst="rect">
-              <a:avLst/>
-            </a:prstGeom>
-            <a:noFill/>
-            <a:ln w="3175">
-              <a:solidFill>
-                <a:schemeClr val="tx1"/>
-              </a:solidFill>
-            </a:ln>
-          </p:spPr>
-          <p:style>
-            <a:lnRef idx="2">
-              <a:schemeClr val="accent1">
-                <a:shade val="50000"/>
-              </a:schemeClr>
-            </a:lnRef>
-            <a:fillRef idx="1">
-              <a:schemeClr val="accent1"/>
-            </a:fillRef>
-            <a:effectRef idx="0">
-              <a:schemeClr val="accent1"/>
-            </a:effectRef>
-            <a:fontRef idx="minor">
-              <a:schemeClr val="lt1"/>
-            </a:fontRef>
-          </p:style>
-          <p:txBody>
-            <a:bodyPr rtlCol="0" anchor="ctr"/>
-            <a:lstStyle/>
-            <a:p>
-              <a:pPr algn="ctr"/>
-              <a:endParaRPr lang="en-US"/>
-            </a:p>
-          </p:txBody>
-        </p:sp>
-        <p:sp>
-          <p:nvSpPr>
-            <p:cNvPr id="19" name="Rectangle 18"/>
-            <p:cNvSpPr/>
-            <p:nvPr/>
-          </p:nvSpPr>
-          <p:spPr>
-            <a:xfrm>
-              <a:off x="3603392" y="5013176"/>
-              <a:ext cx="1512168" cy="504056"/>
-            </a:xfrm>
-            <a:prstGeom prst="rect">
-              <a:avLst/>
-            </a:prstGeom>
-            <a:noFill/>
-            <a:ln w="3175">
-              <a:solidFill>
-                <a:schemeClr val="tx1"/>
-              </a:solidFill>
-            </a:ln>
-          </p:spPr>
-          <p:style>
-            <a:lnRef idx="2">
-              <a:schemeClr val="accent1">
-                <a:shade val="50000"/>
-              </a:schemeClr>
-            </a:lnRef>
-            <a:fillRef idx="1">
-              <a:schemeClr val="accent1"/>
-            </a:fillRef>
-            <a:effectRef idx="0">
-              <a:schemeClr val="accent1"/>
-            </a:effectRef>
-            <a:fontRef idx="minor">
-              <a:schemeClr val="lt1"/>
-            </a:fontRef>
-          </p:style>
-          <p:txBody>
-            <a:bodyPr rtlCol="0" anchor="ctr"/>
-            <a:lstStyle/>
-            <a:p>
-              <a:pPr algn="ctr"/>
-              <a:endParaRPr lang="en-US"/>
-            </a:p>
-          </p:txBody>
-        </p:sp>
-        <p:sp>
-          <p:nvSpPr>
-            <p:cNvPr id="20" name="Rectangle 19"/>
-            <p:cNvSpPr/>
-            <p:nvPr/>
-          </p:nvSpPr>
-          <p:spPr>
-            <a:xfrm>
-              <a:off x="3603392" y="5589240"/>
-              <a:ext cx="1512168" cy="504056"/>
-            </a:xfrm>
-            <a:prstGeom prst="rect">
-              <a:avLst/>
-            </a:prstGeom>
-            <a:noFill/>
-            <a:ln w="3175">
-              <a:solidFill>
-                <a:schemeClr val="tx1"/>
-              </a:solidFill>
-            </a:ln>
-          </p:spPr>
-          <p:style>
-            <a:lnRef idx="2">
-              <a:schemeClr val="accent1">
-                <a:shade val="50000"/>
-              </a:schemeClr>
-            </a:lnRef>
-            <a:fillRef idx="1">
-              <a:schemeClr val="accent1"/>
-            </a:fillRef>
-            <a:effectRef idx="0">
-              <a:schemeClr val="accent1"/>
-            </a:effectRef>
-            <a:fontRef idx="minor">
-              <a:schemeClr val="lt1"/>
-            </a:fontRef>
-          </p:style>
-          <p:txBody>
-            <a:bodyPr rtlCol="0" anchor="ctr"/>
-            <a:lstStyle/>
-            <a:p>
-              <a:pPr algn="ctr"/>
-              <a:endParaRPr lang="en-US"/>
-            </a:p>
-          </p:txBody>
-        </p:sp>
-        <p:sp>
-          <p:nvSpPr>
-            <p:cNvPr id="21" name="Rectangle 20"/>
-            <p:cNvSpPr/>
-            <p:nvPr/>
-          </p:nvSpPr>
-          <p:spPr>
-            <a:xfrm>
-              <a:off x="5735166" y="3789040"/>
-              <a:ext cx="3240360" cy="518570"/>
-            </a:xfrm>
-            <a:prstGeom prst="rect">
-              <a:avLst/>
-            </a:prstGeom>
-            <a:noFill/>
-            <a:ln w="3175">
-              <a:solidFill>
-                <a:schemeClr val="tx1"/>
-              </a:solidFill>
-            </a:ln>
-          </p:spPr>
-          <p:style>
-            <a:lnRef idx="2">
-              <a:schemeClr val="accent1">
-                <a:shade val="50000"/>
-              </a:schemeClr>
-            </a:lnRef>
-            <a:fillRef idx="1">
-              <a:schemeClr val="accent1"/>
-            </a:fillRef>
-            <a:effectRef idx="0">
-              <a:schemeClr val="accent1"/>
-            </a:effectRef>
-            <a:fontRef idx="minor">
-              <a:schemeClr val="lt1"/>
-            </a:fontRef>
-          </p:style>
-          <p:txBody>
-            <a:bodyPr rtlCol="0" anchor="ctr"/>
-            <a:lstStyle/>
-            <a:p>
-              <a:pPr algn="ctr"/>
-              <a:endParaRPr lang="en-US"/>
-            </a:p>
-          </p:txBody>
-        </p:sp>
-        <p:sp>
-          <p:nvSpPr>
-            <p:cNvPr id="22" name="Rectangle 21"/>
-            <p:cNvSpPr/>
-            <p:nvPr/>
-          </p:nvSpPr>
-          <p:spPr>
-            <a:xfrm>
-              <a:off x="5735166" y="4365104"/>
-              <a:ext cx="3240360" cy="518570"/>
-            </a:xfrm>
-            <a:prstGeom prst="rect">
-              <a:avLst/>
-            </a:prstGeom>
-            <a:noFill/>
-            <a:ln w="3175">
-              <a:solidFill>
-                <a:schemeClr val="tx1"/>
-              </a:solidFill>
-            </a:ln>
-          </p:spPr>
-          <p:style>
-            <a:lnRef idx="2">
-              <a:schemeClr val="accent1">
-                <a:shade val="50000"/>
-              </a:schemeClr>
-            </a:lnRef>
-            <a:fillRef idx="1">
-              <a:schemeClr val="accent1"/>
-            </a:fillRef>
-            <a:effectRef idx="0">
-              <a:schemeClr val="accent1"/>
-            </a:effectRef>
-            <a:fontRef idx="minor">
-              <a:schemeClr val="lt1"/>
-            </a:fontRef>
-          </p:style>
-          <p:txBody>
-            <a:bodyPr rtlCol="0" anchor="ctr"/>
-            <a:lstStyle/>
-            <a:p>
-              <a:pPr algn="ctr"/>
-              <a:endParaRPr lang="en-US"/>
-            </a:p>
-          </p:txBody>
-        </p:sp>
-        <p:sp>
-          <p:nvSpPr>
-            <p:cNvPr id="23" name="Rectangle 22"/>
-            <p:cNvSpPr/>
-            <p:nvPr/>
-          </p:nvSpPr>
-          <p:spPr>
-            <a:xfrm>
-              <a:off x="5735166" y="4941168"/>
-              <a:ext cx="3240360" cy="518570"/>
-            </a:xfrm>
-            <a:prstGeom prst="rect">
-              <a:avLst/>
-            </a:prstGeom>
-            <a:noFill/>
-            <a:ln w="3175">
-              <a:solidFill>
-                <a:schemeClr val="tx1"/>
-              </a:solidFill>
-            </a:ln>
-          </p:spPr>
-          <p:style>
-            <a:lnRef idx="2">
-              <a:schemeClr val="accent1">
-                <a:shade val="50000"/>
-              </a:schemeClr>
-            </a:lnRef>
-            <a:fillRef idx="1">
-              <a:schemeClr val="accent1"/>
-            </a:fillRef>
-            <a:effectRef idx="0">
-              <a:schemeClr val="accent1"/>
-            </a:effectRef>
-            <a:fontRef idx="minor">
-              <a:schemeClr val="lt1"/>
-            </a:fontRef>
-          </p:style>
-          <p:txBody>
-            <a:bodyPr rtlCol="0" anchor="ctr"/>
-            <a:lstStyle/>
-            <a:p>
-              <a:pPr algn="ctr"/>
-              <a:endParaRPr lang="en-US"/>
-            </a:p>
-          </p:txBody>
-        </p:sp>
-      </p:grpSp>
+        </p:nvPicPr>
+        <p:blipFill>
+          <a:blip r:embed="rId3"/>
+          <a:stretch>
+            <a:fillRect/>
+          </a:stretch>
+        </p:blipFill>
+        <p:spPr>
+          <a:xfrm>
+            <a:off x="1188293" y="1982445"/>
+            <a:ext cx="9505056" cy="3398456"/>
+          </a:xfrm>
+          <a:prstGeom prst="rect">
+            <a:avLst/>
+          </a:prstGeom>
+        </p:spPr>
+      </p:pic>
     </p:spTree>
     <p:extLst>
       <p:ext uri="{BB962C8B-B14F-4D97-AF65-F5344CB8AC3E}">
-        <p14:creationId xmlns="" xmlns:p14="http://schemas.microsoft.com/office/powerpoint/2010/main" val="3160401395"/>
+        <p14:creationId xmlns:p14="http://schemas.microsoft.com/office/powerpoint/2010/main" val="3160401395"/>
       </p:ext>
     </p:extLst>
   </p:cSld>
@@ -6671,7 +5494,7 @@
           <p:cNvPr id="7" name="Picture 6">
             <a:extLst>
               <a:ext uri="{FF2B5EF4-FFF2-40B4-BE49-F238E27FC236}">
-                <a16:creationId xmlns="" xmlns:a16="http://schemas.microsoft.com/office/drawing/2014/main" id="{673C5F90-0D53-4822-96AD-E561FE022953}"/>
+                <a16:creationId xmlns:a16="http://schemas.microsoft.com/office/drawing/2014/main" id="{673C5F90-0D53-4822-96AD-E561FE022953}"/>
               </a:ext>
             </a:extLst>
           </p:cNvPr>
@@ -6684,7 +5507,7 @@
           <a:blip r:embed="rId3" cstate="print">
             <a:extLst>
               <a:ext uri="{28A0092B-C50C-407E-A947-70E740481C1C}">
-                <a14:useLocalDpi xmlns="" xmlns:a14="http://schemas.microsoft.com/office/drawing/2010/main" val="0"/>
+                <a14:useLocalDpi xmlns:a14="http://schemas.microsoft.com/office/drawing/2010/main" val="0"/>
               </a:ext>
             </a:extLst>
           </a:blip>
@@ -6707,7 +5530,7 @@
           <p:cNvPr id="8" name="Footer Placeholder 2">
             <a:extLst>
               <a:ext uri="{FF2B5EF4-FFF2-40B4-BE49-F238E27FC236}">
-                <a16:creationId xmlns="" xmlns:a16="http://schemas.microsoft.com/office/drawing/2014/main" id="{E1A25237-EAF2-44A9-AD9F-3B42445F3CFA}"/>
+                <a16:creationId xmlns:a16="http://schemas.microsoft.com/office/drawing/2014/main" id="{E1A25237-EAF2-44A9-AD9F-3B42445F3CFA}"/>
               </a:ext>
             </a:extLst>
           </p:cNvPr>
@@ -6837,7 +5660,7 @@
     </p:spTree>
     <p:extLst>
       <p:ext uri="{BB962C8B-B14F-4D97-AF65-F5344CB8AC3E}">
-        <p14:creationId xmlns="" xmlns:p14="http://schemas.microsoft.com/office/powerpoint/2010/main" val="2210990177"/>
+        <p14:creationId xmlns:p14="http://schemas.microsoft.com/office/powerpoint/2010/main" val="2210990177"/>
       </p:ext>
     </p:extLst>
   </p:cSld>
@@ -7094,7 +5917,7 @@
           <p:cNvPr id="7" name="Picture 6">
             <a:extLst>
               <a:ext uri="{FF2B5EF4-FFF2-40B4-BE49-F238E27FC236}">
-                <a16:creationId xmlns="" xmlns:a16="http://schemas.microsoft.com/office/drawing/2014/main" id="{09BC3450-AA35-49AC-835F-AD0371AC796C}"/>
+                <a16:creationId xmlns:a16="http://schemas.microsoft.com/office/drawing/2014/main" id="{09BC3450-AA35-49AC-835F-AD0371AC796C}"/>
               </a:ext>
             </a:extLst>
           </p:cNvPr>
@@ -7107,7 +5930,7 @@
           <a:blip r:embed="rId3" cstate="print">
             <a:extLst>
               <a:ext uri="{28A0092B-C50C-407E-A947-70E740481C1C}">
-                <a14:useLocalDpi xmlns="" xmlns:a14="http://schemas.microsoft.com/office/drawing/2010/main" val="0"/>
+                <a14:useLocalDpi xmlns:a14="http://schemas.microsoft.com/office/drawing/2010/main" val="0"/>
               </a:ext>
             </a:extLst>
           </a:blip>
@@ -7130,7 +5953,7 @@
           <p:cNvPr id="8" name="Footer Placeholder 2">
             <a:extLst>
               <a:ext uri="{FF2B5EF4-FFF2-40B4-BE49-F238E27FC236}">
-                <a16:creationId xmlns="" xmlns:a16="http://schemas.microsoft.com/office/drawing/2014/main" id="{6A00BB9F-BA4C-4D2C-831C-35C6CF284EC0}"/>
+                <a16:creationId xmlns:a16="http://schemas.microsoft.com/office/drawing/2014/main" id="{6A00BB9F-BA4C-4D2C-831C-35C6CF284EC0}"/>
               </a:ext>
             </a:extLst>
           </p:cNvPr>
@@ -7260,7 +6083,7 @@
     </p:spTree>
     <p:extLst>
       <p:ext uri="{BB962C8B-B14F-4D97-AF65-F5344CB8AC3E}">
-        <p14:creationId xmlns="" xmlns:p14="http://schemas.microsoft.com/office/powerpoint/2010/main" val="3506185651"/>
+        <p14:creationId xmlns:p14="http://schemas.microsoft.com/office/powerpoint/2010/main" val="3506185651"/>
       </p:ext>
     </p:extLst>
   </p:cSld>

--- a/Video Ver1/Video PPT/28. Introduction to Joins.pptx
+++ b/Video Ver1/Video PPT/28. Introduction to Joins.pptx
@@ -115,7 +115,7 @@
   </p:defaultTextStyle>
   <p:extLst>
     <p:ext uri="{521415D9-36F7-43E2-AB2F-B90AF26B5E84}">
-      <p14:sectionLst xmlns:p14="http://schemas.microsoft.com/office/powerpoint/2010/main">
+      <p14:sectionLst xmlns="" xmlns:p14="http://schemas.microsoft.com/office/powerpoint/2010/main">
         <p14:section name="Introduction" id="{A3D14946-8297-4856-B082-4FEFA482017C}">
           <p14:sldIdLst/>
         </p14:section>
@@ -154,7 +154,7 @@
       </p14:sectionLst>
     </p:ext>
     <p:ext uri="{EFAFB233-063F-42B5-8137-9DF3F51BA10A}">
-      <p15:sldGuideLst xmlns:p15="http://schemas.microsoft.com/office/powerpoint/2012/main">
+      <p15:sldGuideLst xmlns="" xmlns:p15="http://schemas.microsoft.com/office/powerpoint/2012/main">
         <p15:guide id="1" orient="horz" pos="2160">
           <p15:clr>
             <a:srgbClr val="A4A3A4"/>
@@ -176,7 +176,7 @@
   <p:cmAuthor id="1" name="Saleel" initials="S" lastIdx="1" clrIdx="0">
     <p:extLst>
       <p:ext uri="{19B8F6BF-5375-455C-9EA6-DF929625EA0E}">
-        <p15:presenceInfo xmlns:p15="http://schemas.microsoft.com/office/powerpoint/2012/main" userId="Saleel" providerId="None"/>
+        <p15:presenceInfo xmlns="" xmlns:p15="http://schemas.microsoft.com/office/powerpoint/2012/main" userId="Saleel" providerId="None"/>
       </p:ext>
     </p:extLst>
   </p:cmAuthor>
@@ -266,7 +266,7 @@
             <a:fld id="{4DF51050-3720-483B-B552-57DC1341D582}" type="datetimeFigureOut">
               <a:rPr lang="en-US" smtClean="0"/>
               <a:pPr/>
-              <a:t>6/12/2020</a:t>
+              <a:t>6/15/2020</a:t>
             </a:fld>
             <a:endParaRPr lang="en-US"/>
           </a:p>
@@ -725,7 +725,7 @@
             <a:fld id="{EEE556E8-492E-4E8F-8E7F-7A7787724D01}" type="datetimeFigureOut">
               <a:rPr lang="en-US" smtClean="0"/>
               <a:pPr/>
-              <a:t>6/12/2020</a:t>
+              <a:t>6/15/2020</a:t>
             </a:fld>
             <a:endParaRPr lang="en-US"/>
           </a:p>
@@ -930,7 +930,7 @@
             <a:fld id="{EEE556E8-492E-4E8F-8E7F-7A7787724D01}" type="datetimeFigureOut">
               <a:rPr lang="en-US" smtClean="0"/>
               <a:pPr/>
-              <a:t>6/12/2020</a:t>
+              <a:t>6/15/2020</a:t>
             </a:fld>
             <a:endParaRPr lang="en-US"/>
           </a:p>
@@ -1135,7 +1135,7 @@
             <a:fld id="{EEE556E8-492E-4E8F-8E7F-7A7787724D01}" type="datetimeFigureOut">
               <a:rPr lang="en-US" smtClean="0"/>
               <a:pPr/>
-              <a:t>6/12/2020</a:t>
+              <a:t>6/15/2020</a:t>
             </a:fld>
             <a:endParaRPr lang="en-US"/>
           </a:p>
@@ -1340,7 +1340,7 @@
             <a:fld id="{EEE556E8-492E-4E8F-8E7F-7A7787724D01}" type="datetimeFigureOut">
               <a:rPr lang="en-US" smtClean="0"/>
               <a:pPr/>
-              <a:t>6/12/2020</a:t>
+              <a:t>6/15/2020</a:t>
             </a:fld>
             <a:endParaRPr lang="en-US"/>
           </a:p>
@@ -1612,7 +1612,7 @@
             <a:fld id="{EEE556E8-492E-4E8F-8E7F-7A7787724D01}" type="datetimeFigureOut">
               <a:rPr lang="en-US" smtClean="0"/>
               <a:pPr/>
-              <a:t>6/12/2020</a:t>
+              <a:t>6/15/2020</a:t>
             </a:fld>
             <a:endParaRPr lang="en-US"/>
           </a:p>
@@ -1932,7 +1932,7 @@
             <a:fld id="{EEE556E8-492E-4E8F-8E7F-7A7787724D01}" type="datetimeFigureOut">
               <a:rPr lang="en-US" smtClean="0"/>
               <a:pPr/>
-              <a:t>6/12/2020</a:t>
+              <a:t>6/15/2020</a:t>
             </a:fld>
             <a:endParaRPr lang="en-US"/>
           </a:p>
@@ -2392,7 +2392,7 @@
             <a:fld id="{EEE556E8-492E-4E8F-8E7F-7A7787724D01}" type="datetimeFigureOut">
               <a:rPr lang="en-US" smtClean="0"/>
               <a:pPr/>
-              <a:t>6/12/2020</a:t>
+              <a:t>6/15/2020</a:t>
             </a:fld>
             <a:endParaRPr lang="en-US"/>
           </a:p>
@@ -2538,7 +2538,7 @@
             <a:fld id="{EEE556E8-492E-4E8F-8E7F-7A7787724D01}" type="datetimeFigureOut">
               <a:rPr lang="en-US" smtClean="0"/>
               <a:pPr/>
-              <a:t>6/12/2020</a:t>
+              <a:t>6/15/2020</a:t>
             </a:fld>
             <a:endParaRPr lang="en-US"/>
           </a:p>
@@ -2868,7 +2868,7 @@
             <a:fld id="{EEE556E8-492E-4E8F-8E7F-7A7787724D01}" type="datetimeFigureOut">
               <a:rPr lang="en-US" smtClean="0"/>
               <a:pPr/>
-              <a:t>6/12/2020</a:t>
+              <a:t>6/15/2020</a:t>
             </a:fld>
             <a:endParaRPr lang="en-US"/>
           </a:p>
@@ -3150,7 +3150,7 @@
             <a:fld id="{EEE556E8-492E-4E8F-8E7F-7A7787724D01}" type="datetimeFigureOut">
               <a:rPr lang="en-US" smtClean="0"/>
               <a:pPr/>
-              <a:t>6/12/2020</a:t>
+              <a:t>6/15/2020</a:t>
             </a:fld>
             <a:endParaRPr lang="en-US"/>
           </a:p>
@@ -3579,7 +3579,7 @@
           <p:cNvPr id="3" name="Picture 2">
             <a:extLst>
               <a:ext uri="{FF2B5EF4-FFF2-40B4-BE49-F238E27FC236}">
-                <a16:creationId xmlns:a16="http://schemas.microsoft.com/office/drawing/2014/main" id="{41A85463-8A73-4AAF-B006-A8206B2E4A66}"/>
+                <a16:creationId xmlns="" xmlns:a16="http://schemas.microsoft.com/office/drawing/2014/main" id="{41A85463-8A73-4AAF-B006-A8206B2E4A66}"/>
               </a:ext>
             </a:extLst>
           </p:cNvPr>
@@ -3592,7 +3592,7 @@
           <a:blip r:embed="rId2" cstate="print">
             <a:extLst>
               <a:ext uri="{28A0092B-C50C-407E-A947-70E740481C1C}">
-                <a14:useLocalDpi xmlns:a14="http://schemas.microsoft.com/office/drawing/2010/main" val="0"/>
+                <a14:useLocalDpi xmlns="" xmlns:a14="http://schemas.microsoft.com/office/drawing/2010/main" val="0"/>
               </a:ext>
             </a:extLst>
           </a:blip>
@@ -3615,7 +3615,7 @@
           <p:cNvPr id="4" name="Footer Placeholder 2">
             <a:extLst>
               <a:ext uri="{FF2B5EF4-FFF2-40B4-BE49-F238E27FC236}">
-                <a16:creationId xmlns:a16="http://schemas.microsoft.com/office/drawing/2014/main" id="{4610B96E-6F6B-4597-8ADF-B68C8A17E820}"/>
+                <a16:creationId xmlns="" xmlns:a16="http://schemas.microsoft.com/office/drawing/2014/main" id="{4610B96E-6F6B-4597-8ADF-B68C8A17E820}"/>
               </a:ext>
             </a:extLst>
           </p:cNvPr>
@@ -3798,13 +3798,20 @@
     </p:spTree>
     <p:extLst>
       <p:ext uri="{BB962C8B-B14F-4D97-AF65-F5344CB8AC3E}">
-        <p14:creationId xmlns:p14="http://schemas.microsoft.com/office/powerpoint/2010/main" val="4253925860"/>
+        <p14:creationId xmlns="" xmlns:p14="http://schemas.microsoft.com/office/powerpoint/2010/main" val="4253925860"/>
       </p:ext>
     </p:extLst>
   </p:cSld>
   <p:clrMapOvr>
     <a:masterClrMapping/>
   </p:clrMapOvr>
+  <p:timing>
+    <p:tnLst>
+      <p:par>
+        <p:cTn id="1" dur="indefinite" restart="never" nodeType="tmRoot"/>
+      </p:par>
+    </p:tnLst>
+  </p:timing>
 </p:sld>
 </file>
 
@@ -3873,7 +3880,7 @@
           <p:cNvPr id="3" name="Picture 2">
             <a:extLst>
               <a:ext uri="{FF2B5EF4-FFF2-40B4-BE49-F238E27FC236}">
-                <a16:creationId xmlns:a16="http://schemas.microsoft.com/office/drawing/2014/main" id="{41A85463-8A73-4AAF-B006-A8206B2E4A66}"/>
+                <a16:creationId xmlns="" xmlns:a16="http://schemas.microsoft.com/office/drawing/2014/main" id="{41A85463-8A73-4AAF-B006-A8206B2E4A66}"/>
               </a:ext>
             </a:extLst>
           </p:cNvPr>
@@ -3886,7 +3893,7 @@
           <a:blip r:embed="rId2" cstate="print">
             <a:extLst>
               <a:ext uri="{28A0092B-C50C-407E-A947-70E740481C1C}">
-                <a14:useLocalDpi xmlns:a14="http://schemas.microsoft.com/office/drawing/2010/main" val="0"/>
+                <a14:useLocalDpi xmlns="" xmlns:a14="http://schemas.microsoft.com/office/drawing/2010/main" val="0"/>
               </a:ext>
             </a:extLst>
           </a:blip>
@@ -3909,7 +3916,7 @@
           <p:cNvPr id="4" name="Footer Placeholder 2">
             <a:extLst>
               <a:ext uri="{FF2B5EF4-FFF2-40B4-BE49-F238E27FC236}">
-                <a16:creationId xmlns:a16="http://schemas.microsoft.com/office/drawing/2014/main" id="{4610B96E-6F6B-4597-8ADF-B68C8A17E820}"/>
+                <a16:creationId xmlns="" xmlns:a16="http://schemas.microsoft.com/office/drawing/2014/main" id="{4610B96E-6F6B-4597-8ADF-B68C8A17E820}"/>
               </a:ext>
             </a:extLst>
           </p:cNvPr>
@@ -4162,13 +4169,20 @@
     </p:spTree>
     <p:extLst>
       <p:ext uri="{BB962C8B-B14F-4D97-AF65-F5344CB8AC3E}">
-        <p14:creationId xmlns:p14="http://schemas.microsoft.com/office/powerpoint/2010/main" val="4253925860"/>
+        <p14:creationId xmlns="" xmlns:p14="http://schemas.microsoft.com/office/powerpoint/2010/main" val="4253925860"/>
       </p:ext>
     </p:extLst>
   </p:cSld>
   <p:clrMapOvr>
     <a:masterClrMapping/>
   </p:clrMapOvr>
+  <p:timing>
+    <p:tnLst>
+      <p:par>
+        <p:cTn id="1" dur="indefinite" restart="never" nodeType="tmRoot"/>
+      </p:par>
+    </p:tnLst>
+  </p:timing>
 </p:sld>
 </file>
 
@@ -4403,7 +4417,7 @@
           <p:cNvPr id="5" name="Picture 4">
             <a:extLst>
               <a:ext uri="{FF2B5EF4-FFF2-40B4-BE49-F238E27FC236}">
-                <a16:creationId xmlns:a16="http://schemas.microsoft.com/office/drawing/2014/main" id="{80A95AA2-4844-43C8-9208-2E7A2BF1C7BA}"/>
+                <a16:creationId xmlns="" xmlns:a16="http://schemas.microsoft.com/office/drawing/2014/main" id="{80A95AA2-4844-43C8-9208-2E7A2BF1C7BA}"/>
               </a:ext>
             </a:extLst>
           </p:cNvPr>
@@ -4416,7 +4430,7 @@
           <a:blip r:embed="rId2" cstate="print">
             <a:extLst>
               <a:ext uri="{28A0092B-C50C-407E-A947-70E740481C1C}">
-                <a14:useLocalDpi xmlns:a14="http://schemas.microsoft.com/office/drawing/2010/main" val="0"/>
+                <a14:useLocalDpi xmlns="" xmlns:a14="http://schemas.microsoft.com/office/drawing/2010/main" val="0"/>
               </a:ext>
             </a:extLst>
           </a:blip>
@@ -4439,7 +4453,7 @@
           <p:cNvPr id="7" name="Footer Placeholder 2">
             <a:extLst>
               <a:ext uri="{FF2B5EF4-FFF2-40B4-BE49-F238E27FC236}">
-                <a16:creationId xmlns:a16="http://schemas.microsoft.com/office/drawing/2014/main" id="{2196042C-8979-4101-B0F1-8A01C03AF006}"/>
+                <a16:creationId xmlns="" xmlns:a16="http://schemas.microsoft.com/office/drawing/2014/main" id="{2196042C-8979-4101-B0F1-8A01C03AF006}"/>
               </a:ext>
             </a:extLst>
           </p:cNvPr>
@@ -4612,7 +4626,7 @@
     </p:spTree>
     <p:extLst>
       <p:ext uri="{BB962C8B-B14F-4D97-AF65-F5344CB8AC3E}">
-        <p14:creationId xmlns:p14="http://schemas.microsoft.com/office/powerpoint/2010/main" val="2579396880"/>
+        <p14:creationId xmlns="" xmlns:p14="http://schemas.microsoft.com/office/powerpoint/2010/main" val="2579396880"/>
       </p:ext>
     </p:extLst>
   </p:cSld>
@@ -4715,34 +4729,10 @@
       </p:sp>
       <p:pic>
         <p:nvPicPr>
-          <p:cNvPr id="26" name="Picture 25"/>
-          <p:cNvPicPr>
-            <a:picLocks noChangeAspect="1"/>
-          </p:cNvPicPr>
-          <p:nvPr/>
-        </p:nvPicPr>
-        <p:blipFill>
-          <a:blip r:embed="rId2" cstate="print"/>
-          <a:stretch>
-            <a:fillRect/>
-          </a:stretch>
-        </p:blipFill>
-        <p:spPr>
-          <a:xfrm>
-            <a:off x="1534686" y="2169080"/>
-            <a:ext cx="9131925" cy="1980000"/>
-          </a:xfrm>
-          <a:prstGeom prst="rect">
-            <a:avLst/>
-          </a:prstGeom>
-        </p:spPr>
-      </p:pic>
-      <p:pic>
-        <p:nvPicPr>
           <p:cNvPr id="10" name="Picture 9">
             <a:extLst>
               <a:ext uri="{FF2B5EF4-FFF2-40B4-BE49-F238E27FC236}">
-                <a16:creationId xmlns:a16="http://schemas.microsoft.com/office/drawing/2014/main" id="{DC1AD0D1-FD35-4B55-84D6-1ED3F558EF4B}"/>
+                <a16:creationId xmlns="" xmlns:a16="http://schemas.microsoft.com/office/drawing/2014/main" id="{DC1AD0D1-FD35-4B55-84D6-1ED3F558EF4B}"/>
               </a:ext>
             </a:extLst>
           </p:cNvPr>
@@ -4752,10 +4742,10 @@
           <p:nvPr/>
         </p:nvPicPr>
         <p:blipFill>
-          <a:blip r:embed="rId3" cstate="print">
+          <a:blip r:embed="rId2" cstate="print">
             <a:extLst>
               <a:ext uri="{28A0092B-C50C-407E-A947-70E740481C1C}">
-                <a14:useLocalDpi xmlns:a14="http://schemas.microsoft.com/office/drawing/2010/main" val="0"/>
+                <a14:useLocalDpi xmlns="" xmlns:a14="http://schemas.microsoft.com/office/drawing/2010/main" val="0"/>
               </a:ext>
             </a:extLst>
           </a:blip>
@@ -4778,7 +4768,7 @@
           <p:cNvPr id="11" name="Footer Placeholder 2">
             <a:extLst>
               <a:ext uri="{FF2B5EF4-FFF2-40B4-BE49-F238E27FC236}">
-                <a16:creationId xmlns:a16="http://schemas.microsoft.com/office/drawing/2014/main" id="{9136102A-0328-4024-96D1-832FE306DC26}"/>
+                <a16:creationId xmlns="" xmlns:a16="http://schemas.microsoft.com/office/drawing/2014/main" id="{9136102A-0328-4024-96D1-832FE306DC26}"/>
               </a:ext>
             </a:extLst>
           </p:cNvPr>
@@ -4905,10 +4895,34 @@
           </a:p>
         </p:txBody>
       </p:sp>
+      <p:pic>
+        <p:nvPicPr>
+          <p:cNvPr id="2" name="Picture 1"/>
+          <p:cNvPicPr>
+            <a:picLocks noChangeAspect="1"/>
+          </p:cNvPicPr>
+          <p:nvPr/>
+        </p:nvPicPr>
+        <p:blipFill>
+          <a:blip r:embed="rId3"/>
+          <a:stretch>
+            <a:fillRect/>
+          </a:stretch>
+        </p:blipFill>
+        <p:spPr>
+          <a:xfrm>
+            <a:off x="1342678" y="1919734"/>
+            <a:ext cx="8848725" cy="4152900"/>
+          </a:xfrm>
+          <a:prstGeom prst="rect">
+            <a:avLst/>
+          </a:prstGeom>
+        </p:spPr>
+      </p:pic>
     </p:spTree>
     <p:extLst>
       <p:ext uri="{BB962C8B-B14F-4D97-AF65-F5344CB8AC3E}">
-        <p14:creationId xmlns:p14="http://schemas.microsoft.com/office/powerpoint/2010/main" val="4233626751"/>
+        <p14:creationId xmlns="" xmlns:p14="http://schemas.microsoft.com/office/powerpoint/2010/main" val="4233626751"/>
       </p:ext>
     </p:extLst>
   </p:cSld>
@@ -4918,75 +4932,7 @@
   <p:timing>
     <p:tnLst>
       <p:par>
-        <p:cTn id="1" dur="indefinite" restart="never" nodeType="tmRoot">
-          <p:childTnLst>
-            <p:seq concurrent="1" nextAc="seek">
-              <p:cTn id="2" dur="indefinite" nodeType="mainSeq">
-                <p:childTnLst>
-                  <p:par>
-                    <p:cTn id="3" fill="hold">
-                      <p:stCondLst>
-                        <p:cond delay="indefinite"/>
-                      </p:stCondLst>
-                      <p:childTnLst>
-                        <p:par>
-                          <p:cTn id="4" fill="hold">
-                            <p:stCondLst>
-                              <p:cond delay="0"/>
-                            </p:stCondLst>
-                            <p:childTnLst>
-                              <p:par>
-                                <p:cTn id="5" presetID="1" presetClass="entr" presetSubtype="0" fill="hold" nodeType="clickEffect">
-                                  <p:stCondLst>
-                                    <p:cond delay="0"/>
-                                  </p:stCondLst>
-                                  <p:childTnLst>
-                                    <p:set>
-                                      <p:cBhvr>
-                                        <p:cTn id="6" dur="1" fill="hold">
-                                          <p:stCondLst>
-                                            <p:cond delay="0"/>
-                                          </p:stCondLst>
-                                        </p:cTn>
-                                        <p:tgtEl>
-                                          <p:spTgt spid="26"/>
-                                        </p:tgtEl>
-                                        <p:attrNameLst>
-                                          <p:attrName>style.visibility</p:attrName>
-                                        </p:attrNameLst>
-                                      </p:cBhvr>
-                                      <p:to>
-                                        <p:strVal val="visible"/>
-                                      </p:to>
-                                    </p:set>
-                                  </p:childTnLst>
-                                </p:cTn>
-                              </p:par>
-                            </p:childTnLst>
-                          </p:cTn>
-                        </p:par>
-                      </p:childTnLst>
-                    </p:cTn>
-                  </p:par>
-                </p:childTnLst>
-              </p:cTn>
-              <p:prevCondLst>
-                <p:cond evt="onPrev" delay="0">
-                  <p:tgtEl>
-                    <p:sldTgt/>
-                  </p:tgtEl>
-                </p:cond>
-              </p:prevCondLst>
-              <p:nextCondLst>
-                <p:cond evt="onNext" delay="0">
-                  <p:tgtEl>
-                    <p:sldTgt/>
-                  </p:tgtEl>
-                </p:cond>
-              </p:nextCondLst>
-            </p:seq>
-          </p:childTnLst>
-        </p:cTn>
+        <p:cTn id="1" dur="indefinite" restart="never" nodeType="tmRoot"/>
       </p:par>
     </p:tnLst>
   </p:timing>
@@ -5092,7 +5038,7 @@
           <p:cNvPr id="8" name="Rectangle 7">
             <a:extLst>
               <a:ext uri="{FF2B5EF4-FFF2-40B4-BE49-F238E27FC236}">
-                <a16:creationId xmlns:a16="http://schemas.microsoft.com/office/drawing/2014/main" id="{64E59AB9-D23B-4A69-B7D4-4733E25BD424}"/>
+                <a16:creationId xmlns="" xmlns:a16="http://schemas.microsoft.com/office/drawing/2014/main" id="{64E59AB9-D23B-4A69-B7D4-4733E25BD424}"/>
               </a:ext>
             </a:extLst>
           </p:cNvPr>
@@ -5129,7 +5075,7 @@
           <p:cNvPr id="7" name="Picture 6">
             <a:extLst>
               <a:ext uri="{FF2B5EF4-FFF2-40B4-BE49-F238E27FC236}">
-                <a16:creationId xmlns:a16="http://schemas.microsoft.com/office/drawing/2014/main" id="{D549EEF8-0DDC-4ADB-8B68-691DD0B6B1E9}"/>
+                <a16:creationId xmlns="" xmlns:a16="http://schemas.microsoft.com/office/drawing/2014/main" id="{D549EEF8-0DDC-4ADB-8B68-691DD0B6B1E9}"/>
               </a:ext>
             </a:extLst>
           </p:cNvPr>
@@ -5142,7 +5088,7 @@
           <a:blip r:embed="rId2" cstate="print">
             <a:extLst>
               <a:ext uri="{28A0092B-C50C-407E-A947-70E740481C1C}">
-                <a14:useLocalDpi xmlns:a14="http://schemas.microsoft.com/office/drawing/2010/main" val="0"/>
+                <a14:useLocalDpi xmlns="" xmlns:a14="http://schemas.microsoft.com/office/drawing/2010/main" val="0"/>
               </a:ext>
             </a:extLst>
           </a:blip>
@@ -5165,7 +5111,7 @@
           <p:cNvPr id="9" name="Footer Placeholder 2">
             <a:extLst>
               <a:ext uri="{FF2B5EF4-FFF2-40B4-BE49-F238E27FC236}">
-                <a16:creationId xmlns:a16="http://schemas.microsoft.com/office/drawing/2014/main" id="{FE7D71F0-97C1-4A7C-A634-BE2CA956F0C6}"/>
+                <a16:creationId xmlns="" xmlns:a16="http://schemas.microsoft.com/office/drawing/2014/main" id="{FE7D71F0-97C1-4A7C-A634-BE2CA956F0C6}"/>
               </a:ext>
             </a:extLst>
           </p:cNvPr>
@@ -5319,7 +5265,7 @@
     </p:spTree>
     <p:extLst>
       <p:ext uri="{BB962C8B-B14F-4D97-AF65-F5344CB8AC3E}">
-        <p14:creationId xmlns:p14="http://schemas.microsoft.com/office/powerpoint/2010/main" val="3160401395"/>
+        <p14:creationId xmlns="" xmlns:p14="http://schemas.microsoft.com/office/powerpoint/2010/main" val="3160401395"/>
       </p:ext>
     </p:extLst>
   </p:cSld>
@@ -5406,30 +5352,6 @@
           </a:p>
         </p:txBody>
       </p:sp>
-      <p:pic>
-        <p:nvPicPr>
-          <p:cNvPr id="41" name="Picture 40"/>
-          <p:cNvPicPr>
-            <a:picLocks noChangeAspect="1"/>
-          </p:cNvPicPr>
-          <p:nvPr/>
-        </p:nvPicPr>
-        <p:blipFill>
-          <a:blip r:embed="rId2" cstate="print"/>
-          <a:stretch>
-            <a:fillRect/>
-          </a:stretch>
-        </p:blipFill>
-        <p:spPr>
-          <a:xfrm>
-            <a:off x="1533600" y="2170800"/>
-            <a:ext cx="9095812" cy="1695884"/>
-          </a:xfrm>
-          <a:prstGeom prst="rect">
-            <a:avLst/>
-          </a:prstGeom>
-        </p:spPr>
-      </p:pic>
       <p:sp>
         <p:nvSpPr>
           <p:cNvPr id="42" name="Rectangle 41"/>
@@ -5494,7 +5416,7 @@
           <p:cNvPr id="7" name="Picture 6">
             <a:extLst>
               <a:ext uri="{FF2B5EF4-FFF2-40B4-BE49-F238E27FC236}">
-                <a16:creationId xmlns:a16="http://schemas.microsoft.com/office/drawing/2014/main" id="{673C5F90-0D53-4822-96AD-E561FE022953}"/>
+                <a16:creationId xmlns="" xmlns:a16="http://schemas.microsoft.com/office/drawing/2014/main" id="{673C5F90-0D53-4822-96AD-E561FE022953}"/>
               </a:ext>
             </a:extLst>
           </p:cNvPr>
@@ -5504,10 +5426,10 @@
           <p:nvPr/>
         </p:nvPicPr>
         <p:blipFill>
-          <a:blip r:embed="rId3" cstate="print">
+          <a:blip r:embed="rId2" cstate="print">
             <a:extLst>
               <a:ext uri="{28A0092B-C50C-407E-A947-70E740481C1C}">
-                <a14:useLocalDpi xmlns:a14="http://schemas.microsoft.com/office/drawing/2010/main" val="0"/>
+                <a14:useLocalDpi xmlns="" xmlns:a14="http://schemas.microsoft.com/office/drawing/2010/main" val="0"/>
               </a:ext>
             </a:extLst>
           </a:blip>
@@ -5530,7 +5452,7 @@
           <p:cNvPr id="8" name="Footer Placeholder 2">
             <a:extLst>
               <a:ext uri="{FF2B5EF4-FFF2-40B4-BE49-F238E27FC236}">
-                <a16:creationId xmlns:a16="http://schemas.microsoft.com/office/drawing/2014/main" id="{E1A25237-EAF2-44A9-AD9F-3B42445F3CFA}"/>
+                <a16:creationId xmlns="" xmlns:a16="http://schemas.microsoft.com/office/drawing/2014/main" id="{E1A25237-EAF2-44A9-AD9F-3B42445F3CFA}"/>
               </a:ext>
             </a:extLst>
           </p:cNvPr>
@@ -5657,10 +5579,34 @@
           </a:p>
         </p:txBody>
       </p:sp>
+      <p:pic>
+        <p:nvPicPr>
+          <p:cNvPr id="2" name="Picture 1"/>
+          <p:cNvPicPr>
+            <a:picLocks noChangeAspect="1"/>
+          </p:cNvPicPr>
+          <p:nvPr/>
+        </p:nvPicPr>
+        <p:blipFill>
+          <a:blip r:embed="rId3"/>
+          <a:stretch>
+            <a:fillRect/>
+          </a:stretch>
+        </p:blipFill>
+        <p:spPr>
+          <a:xfrm>
+            <a:off x="1337468" y="2035646"/>
+            <a:ext cx="9515475" cy="4057650"/>
+          </a:xfrm>
+          <a:prstGeom prst="rect">
+            <a:avLst/>
+          </a:prstGeom>
+        </p:spPr>
+      </p:pic>
     </p:spTree>
     <p:extLst>
       <p:ext uri="{BB962C8B-B14F-4D97-AF65-F5344CB8AC3E}">
-        <p14:creationId xmlns:p14="http://schemas.microsoft.com/office/powerpoint/2010/main" val="2210990177"/>
+        <p14:creationId xmlns="" xmlns:p14="http://schemas.microsoft.com/office/powerpoint/2010/main" val="2210990177"/>
       </p:ext>
     </p:extLst>
   </p:cSld>
@@ -5670,75 +5616,7 @@
   <p:timing>
     <p:tnLst>
       <p:par>
-        <p:cTn id="1" dur="indefinite" restart="never" nodeType="tmRoot">
-          <p:childTnLst>
-            <p:seq concurrent="1" nextAc="seek">
-              <p:cTn id="2" dur="indefinite" nodeType="mainSeq">
-                <p:childTnLst>
-                  <p:par>
-                    <p:cTn id="3" fill="hold">
-                      <p:stCondLst>
-                        <p:cond delay="indefinite"/>
-                      </p:stCondLst>
-                      <p:childTnLst>
-                        <p:par>
-                          <p:cTn id="4" fill="hold">
-                            <p:stCondLst>
-                              <p:cond delay="0"/>
-                            </p:stCondLst>
-                            <p:childTnLst>
-                              <p:par>
-                                <p:cTn id="5" presetID="1" presetClass="entr" presetSubtype="0" fill="hold" nodeType="clickEffect">
-                                  <p:stCondLst>
-                                    <p:cond delay="0"/>
-                                  </p:stCondLst>
-                                  <p:childTnLst>
-                                    <p:set>
-                                      <p:cBhvr>
-                                        <p:cTn id="6" dur="1" fill="hold">
-                                          <p:stCondLst>
-                                            <p:cond delay="0"/>
-                                          </p:stCondLst>
-                                        </p:cTn>
-                                        <p:tgtEl>
-                                          <p:spTgt spid="41"/>
-                                        </p:tgtEl>
-                                        <p:attrNameLst>
-                                          <p:attrName>style.visibility</p:attrName>
-                                        </p:attrNameLst>
-                                      </p:cBhvr>
-                                      <p:to>
-                                        <p:strVal val="visible"/>
-                                      </p:to>
-                                    </p:set>
-                                  </p:childTnLst>
-                                </p:cTn>
-                              </p:par>
-                            </p:childTnLst>
-                          </p:cTn>
-                        </p:par>
-                      </p:childTnLst>
-                    </p:cTn>
-                  </p:par>
-                </p:childTnLst>
-              </p:cTn>
-              <p:prevCondLst>
-                <p:cond evt="onPrev" delay="0">
-                  <p:tgtEl>
-                    <p:sldTgt/>
-                  </p:tgtEl>
-                </p:cond>
-              </p:prevCondLst>
-              <p:nextCondLst>
-                <p:cond evt="onNext" delay="0">
-                  <p:tgtEl>
-                    <p:sldTgt/>
-                  </p:tgtEl>
-                </p:cond>
-              </p:nextCondLst>
-            </p:seq>
-          </p:childTnLst>
-        </p:cTn>
+        <p:cTn id="1" dur="indefinite" restart="never" nodeType="tmRoot"/>
       </p:par>
     </p:tnLst>
   </p:timing>
@@ -5829,30 +5707,6 @@
           </a:p>
         </p:txBody>
       </p:sp>
-      <p:pic>
-        <p:nvPicPr>
-          <p:cNvPr id="32" name="Picture 31"/>
-          <p:cNvPicPr>
-            <a:picLocks noChangeAspect="1"/>
-          </p:cNvPicPr>
-          <p:nvPr/>
-        </p:nvPicPr>
-        <p:blipFill>
-          <a:blip r:embed="rId2" cstate="print"/>
-          <a:stretch>
-            <a:fillRect/>
-          </a:stretch>
-        </p:blipFill>
-        <p:spPr>
-          <a:xfrm>
-            <a:off x="1533600" y="2170800"/>
-            <a:ext cx="9066620" cy="1714500"/>
-          </a:xfrm>
-          <a:prstGeom prst="rect">
-            <a:avLst/>
-          </a:prstGeom>
-        </p:spPr>
-      </p:pic>
       <p:sp>
         <p:nvSpPr>
           <p:cNvPr id="34" name="Rectangle 33"/>
@@ -5917,7 +5771,7 @@
           <p:cNvPr id="7" name="Picture 6">
             <a:extLst>
               <a:ext uri="{FF2B5EF4-FFF2-40B4-BE49-F238E27FC236}">
-                <a16:creationId xmlns:a16="http://schemas.microsoft.com/office/drawing/2014/main" id="{09BC3450-AA35-49AC-835F-AD0371AC796C}"/>
+                <a16:creationId xmlns="" xmlns:a16="http://schemas.microsoft.com/office/drawing/2014/main" id="{09BC3450-AA35-49AC-835F-AD0371AC796C}"/>
               </a:ext>
             </a:extLst>
           </p:cNvPr>
@@ -5927,10 +5781,10 @@
           <p:nvPr/>
         </p:nvPicPr>
         <p:blipFill>
-          <a:blip r:embed="rId3" cstate="print">
+          <a:blip r:embed="rId2" cstate="print">
             <a:extLst>
               <a:ext uri="{28A0092B-C50C-407E-A947-70E740481C1C}">
-                <a14:useLocalDpi xmlns:a14="http://schemas.microsoft.com/office/drawing/2010/main" val="0"/>
+                <a14:useLocalDpi xmlns="" xmlns:a14="http://schemas.microsoft.com/office/drawing/2010/main" val="0"/>
               </a:ext>
             </a:extLst>
           </a:blip>
@@ -5953,7 +5807,7 @@
           <p:cNvPr id="8" name="Footer Placeholder 2">
             <a:extLst>
               <a:ext uri="{FF2B5EF4-FFF2-40B4-BE49-F238E27FC236}">
-                <a16:creationId xmlns:a16="http://schemas.microsoft.com/office/drawing/2014/main" id="{6A00BB9F-BA4C-4D2C-831C-35C6CF284EC0}"/>
+                <a16:creationId xmlns="" xmlns:a16="http://schemas.microsoft.com/office/drawing/2014/main" id="{6A00BB9F-BA4C-4D2C-831C-35C6CF284EC0}"/>
               </a:ext>
             </a:extLst>
           </p:cNvPr>
@@ -6080,10 +5934,43 @@
           </a:p>
         </p:txBody>
       </p:sp>
+      <p:pic>
+        <p:nvPicPr>
+          <p:cNvPr id="1026" name="Picture 2"/>
+          <p:cNvPicPr>
+            <a:picLocks noChangeAspect="1" noChangeArrowheads="1"/>
+          </p:cNvPicPr>
+          <p:nvPr/>
+        </p:nvPicPr>
+        <p:blipFill>
+          <a:blip r:embed="rId3"/>
+          <a:srcRect/>
+          <a:stretch>
+            <a:fillRect/>
+          </a:stretch>
+        </p:blipFill>
+        <p:spPr bwMode="auto">
+          <a:xfrm>
+            <a:off x="1308860" y="2143116"/>
+            <a:ext cx="9505950" cy="3390900"/>
+          </a:xfrm>
+          <a:prstGeom prst="rect">
+            <a:avLst/>
+          </a:prstGeom>
+          <a:noFill/>
+          <a:ln w="9525">
+            <a:noFill/>
+            <a:miter lim="800000"/>
+            <a:headEnd/>
+            <a:tailEnd/>
+          </a:ln>
+          <a:effectLst/>
+        </p:spPr>
+      </p:pic>
     </p:spTree>
     <p:extLst>
       <p:ext uri="{BB962C8B-B14F-4D97-AF65-F5344CB8AC3E}">
-        <p14:creationId xmlns:p14="http://schemas.microsoft.com/office/powerpoint/2010/main" val="3506185651"/>
+        <p14:creationId xmlns="" xmlns:p14="http://schemas.microsoft.com/office/powerpoint/2010/main" val="3506185651"/>
       </p:ext>
     </p:extLst>
   </p:cSld>
@@ -6093,75 +5980,7 @@
   <p:timing>
     <p:tnLst>
       <p:par>
-        <p:cTn id="1" dur="indefinite" restart="never" nodeType="tmRoot">
-          <p:childTnLst>
-            <p:seq concurrent="1" nextAc="seek">
-              <p:cTn id="2" dur="indefinite" nodeType="mainSeq">
-                <p:childTnLst>
-                  <p:par>
-                    <p:cTn id="3" fill="hold">
-                      <p:stCondLst>
-                        <p:cond delay="indefinite"/>
-                      </p:stCondLst>
-                      <p:childTnLst>
-                        <p:par>
-                          <p:cTn id="4" fill="hold">
-                            <p:stCondLst>
-                              <p:cond delay="0"/>
-                            </p:stCondLst>
-                            <p:childTnLst>
-                              <p:par>
-                                <p:cTn id="5" presetID="1" presetClass="entr" presetSubtype="0" fill="hold" nodeType="clickEffect">
-                                  <p:stCondLst>
-                                    <p:cond delay="0"/>
-                                  </p:stCondLst>
-                                  <p:childTnLst>
-                                    <p:set>
-                                      <p:cBhvr>
-                                        <p:cTn id="6" dur="1" fill="hold">
-                                          <p:stCondLst>
-                                            <p:cond delay="0"/>
-                                          </p:stCondLst>
-                                        </p:cTn>
-                                        <p:tgtEl>
-                                          <p:spTgt spid="32"/>
-                                        </p:tgtEl>
-                                        <p:attrNameLst>
-                                          <p:attrName>style.visibility</p:attrName>
-                                        </p:attrNameLst>
-                                      </p:cBhvr>
-                                      <p:to>
-                                        <p:strVal val="visible"/>
-                                      </p:to>
-                                    </p:set>
-                                  </p:childTnLst>
-                                </p:cTn>
-                              </p:par>
-                            </p:childTnLst>
-                          </p:cTn>
-                        </p:par>
-                      </p:childTnLst>
-                    </p:cTn>
-                  </p:par>
-                </p:childTnLst>
-              </p:cTn>
-              <p:prevCondLst>
-                <p:cond evt="onPrev" delay="0">
-                  <p:tgtEl>
-                    <p:sldTgt/>
-                  </p:tgtEl>
-                </p:cond>
-              </p:prevCondLst>
-              <p:nextCondLst>
-                <p:cond evt="onNext" delay="0">
-                  <p:tgtEl>
-                    <p:sldTgt/>
-                  </p:tgtEl>
-                </p:cond>
-              </p:nextCondLst>
-            </p:seq>
-          </p:childTnLst>
-        </p:cTn>
+        <p:cTn id="1" dur="indefinite" restart="never" nodeType="tmRoot"/>
       </p:par>
     </p:tnLst>
   </p:timing>

--- a/Video Ver1/Video PPT/28. Introduction to Joins.pptx
+++ b/Video Ver1/Video PPT/28. Introduction to Joins.pptx
@@ -5,16 +5,17 @@
     <p:sldMasterId id="2147483648" r:id="rId1"/>
   </p:sldMasterIdLst>
   <p:notesMasterIdLst>
-    <p:notesMasterId r:id="rId9"/>
+    <p:notesMasterId r:id="rId10"/>
   </p:notesMasterIdLst>
   <p:sldIdLst>
     <p:sldId id="494" r:id="rId2"/>
-    <p:sldId id="497" r:id="rId3"/>
-    <p:sldId id="496" r:id="rId4"/>
-    <p:sldId id="498" r:id="rId5"/>
-    <p:sldId id="499" r:id="rId6"/>
-    <p:sldId id="500" r:id="rId7"/>
-    <p:sldId id="501" r:id="rId8"/>
+    <p:sldId id="502" r:id="rId3"/>
+    <p:sldId id="497" r:id="rId4"/>
+    <p:sldId id="496" r:id="rId5"/>
+    <p:sldId id="498" r:id="rId6"/>
+    <p:sldId id="499" r:id="rId7"/>
+    <p:sldId id="500" r:id="rId8"/>
+    <p:sldId id="501" r:id="rId9"/>
   </p:sldIdLst>
   <p:sldSz cx="12190413" cy="6858000"/>
   <p:notesSz cx="6858000" cy="9144000"/>
@@ -115,7 +116,7 @@
   </p:defaultTextStyle>
   <p:extLst>
     <p:ext uri="{521415D9-36F7-43E2-AB2F-B90AF26B5E84}">
-      <p14:sectionLst xmlns="" xmlns:p14="http://schemas.microsoft.com/office/powerpoint/2010/main">
+      <p14:sectionLst xmlns:p14="http://schemas.microsoft.com/office/powerpoint/2010/main" xmlns="">
         <p14:section name="Introduction" id="{A3D14946-8297-4856-B082-4FEFA482017C}">
           <p14:sldIdLst/>
         </p14:section>
@@ -154,7 +155,7 @@
       </p14:sectionLst>
     </p:ext>
     <p:ext uri="{EFAFB233-063F-42B5-8137-9DF3F51BA10A}">
-      <p15:sldGuideLst xmlns="" xmlns:p15="http://schemas.microsoft.com/office/powerpoint/2012/main">
+      <p15:sldGuideLst xmlns:p15="http://schemas.microsoft.com/office/powerpoint/2012/main" xmlns="">
         <p15:guide id="1" orient="horz" pos="2160">
           <p15:clr>
             <a:srgbClr val="A4A3A4"/>
@@ -176,7 +177,7 @@
   <p:cmAuthor id="1" name="Saleel" initials="S" lastIdx="1" clrIdx="0">
     <p:extLst>
       <p:ext uri="{19B8F6BF-5375-455C-9EA6-DF929625EA0E}">
-        <p15:presenceInfo xmlns="" xmlns:p15="http://schemas.microsoft.com/office/powerpoint/2012/main" userId="Saleel" providerId="None"/>
+        <p15:presenceInfo xmlns:p15="http://schemas.microsoft.com/office/powerpoint/2012/main" xmlns="" userId="Saleel" providerId="None"/>
       </p:ext>
     </p:extLst>
   </p:cmAuthor>
@@ -266,7 +267,7 @@
             <a:fld id="{4DF51050-3720-483B-B552-57DC1341D582}" type="datetimeFigureOut">
               <a:rPr lang="en-US" smtClean="0"/>
               <a:pPr/>
-              <a:t>6/15/2020</a:t>
+              <a:t>6/22/2020</a:t>
             </a:fld>
             <a:endParaRPr lang="en-US"/>
           </a:p>
@@ -725,7 +726,7 @@
             <a:fld id="{EEE556E8-492E-4E8F-8E7F-7A7787724D01}" type="datetimeFigureOut">
               <a:rPr lang="en-US" smtClean="0"/>
               <a:pPr/>
-              <a:t>6/15/2020</a:t>
+              <a:t>6/22/2020</a:t>
             </a:fld>
             <a:endParaRPr lang="en-US"/>
           </a:p>
@@ -930,7 +931,7 @@
             <a:fld id="{EEE556E8-492E-4E8F-8E7F-7A7787724D01}" type="datetimeFigureOut">
               <a:rPr lang="en-US" smtClean="0"/>
               <a:pPr/>
-              <a:t>6/15/2020</a:t>
+              <a:t>6/22/2020</a:t>
             </a:fld>
             <a:endParaRPr lang="en-US"/>
           </a:p>
@@ -1135,7 +1136,7 @@
             <a:fld id="{EEE556E8-492E-4E8F-8E7F-7A7787724D01}" type="datetimeFigureOut">
               <a:rPr lang="en-US" smtClean="0"/>
               <a:pPr/>
-              <a:t>6/15/2020</a:t>
+              <a:t>6/22/2020</a:t>
             </a:fld>
             <a:endParaRPr lang="en-US"/>
           </a:p>
@@ -1340,7 +1341,7 @@
             <a:fld id="{EEE556E8-492E-4E8F-8E7F-7A7787724D01}" type="datetimeFigureOut">
               <a:rPr lang="en-US" smtClean="0"/>
               <a:pPr/>
-              <a:t>6/15/2020</a:t>
+              <a:t>6/22/2020</a:t>
             </a:fld>
             <a:endParaRPr lang="en-US"/>
           </a:p>
@@ -1612,7 +1613,7 @@
             <a:fld id="{EEE556E8-492E-4E8F-8E7F-7A7787724D01}" type="datetimeFigureOut">
               <a:rPr lang="en-US" smtClean="0"/>
               <a:pPr/>
-              <a:t>6/15/2020</a:t>
+              <a:t>6/22/2020</a:t>
             </a:fld>
             <a:endParaRPr lang="en-US"/>
           </a:p>
@@ -1932,7 +1933,7 @@
             <a:fld id="{EEE556E8-492E-4E8F-8E7F-7A7787724D01}" type="datetimeFigureOut">
               <a:rPr lang="en-US" smtClean="0"/>
               <a:pPr/>
-              <a:t>6/15/2020</a:t>
+              <a:t>6/22/2020</a:t>
             </a:fld>
             <a:endParaRPr lang="en-US"/>
           </a:p>
@@ -2392,7 +2393,7 @@
             <a:fld id="{EEE556E8-492E-4E8F-8E7F-7A7787724D01}" type="datetimeFigureOut">
               <a:rPr lang="en-US" smtClean="0"/>
               <a:pPr/>
-              <a:t>6/15/2020</a:t>
+              <a:t>6/22/2020</a:t>
             </a:fld>
             <a:endParaRPr lang="en-US"/>
           </a:p>
@@ -2538,7 +2539,7 @@
             <a:fld id="{EEE556E8-492E-4E8F-8E7F-7A7787724D01}" type="datetimeFigureOut">
               <a:rPr lang="en-US" smtClean="0"/>
               <a:pPr/>
-              <a:t>6/15/2020</a:t>
+              <a:t>6/22/2020</a:t>
             </a:fld>
             <a:endParaRPr lang="en-US"/>
           </a:p>
@@ -2868,7 +2869,7 @@
             <a:fld id="{EEE556E8-492E-4E8F-8E7F-7A7787724D01}" type="datetimeFigureOut">
               <a:rPr lang="en-US" smtClean="0"/>
               <a:pPr/>
-              <a:t>6/15/2020</a:t>
+              <a:t>6/22/2020</a:t>
             </a:fld>
             <a:endParaRPr lang="en-US"/>
           </a:p>
@@ -3150,7 +3151,7 @@
             <a:fld id="{EEE556E8-492E-4E8F-8E7F-7A7787724D01}" type="datetimeFigureOut">
               <a:rPr lang="en-US" smtClean="0"/>
               <a:pPr/>
-              <a:t>6/15/2020</a:t>
+              <a:t>6/22/2020</a:t>
             </a:fld>
             <a:endParaRPr lang="en-US"/>
           </a:p>
@@ -3579,7 +3580,7 @@
           <p:cNvPr id="3" name="Picture 2">
             <a:extLst>
               <a:ext uri="{FF2B5EF4-FFF2-40B4-BE49-F238E27FC236}">
-                <a16:creationId xmlns="" xmlns:a16="http://schemas.microsoft.com/office/drawing/2014/main" id="{41A85463-8A73-4AAF-B006-A8206B2E4A66}"/>
+                <a16:creationId xmlns:a16="http://schemas.microsoft.com/office/drawing/2014/main" xmlns="" id="{41A85463-8A73-4AAF-B006-A8206B2E4A66}"/>
               </a:ext>
             </a:extLst>
           </p:cNvPr>
@@ -3592,7 +3593,7 @@
           <a:blip r:embed="rId2" cstate="print">
             <a:extLst>
               <a:ext uri="{28A0092B-C50C-407E-A947-70E740481C1C}">
-                <a14:useLocalDpi xmlns="" xmlns:a14="http://schemas.microsoft.com/office/drawing/2010/main" val="0"/>
+                <a14:useLocalDpi xmlns:a14="http://schemas.microsoft.com/office/drawing/2010/main" xmlns="" val="0"/>
               </a:ext>
             </a:extLst>
           </a:blip>
@@ -3615,7 +3616,7 @@
           <p:cNvPr id="4" name="Footer Placeholder 2">
             <a:extLst>
               <a:ext uri="{FF2B5EF4-FFF2-40B4-BE49-F238E27FC236}">
-                <a16:creationId xmlns="" xmlns:a16="http://schemas.microsoft.com/office/drawing/2014/main" id="{4610B96E-6F6B-4597-8ADF-B68C8A17E820}"/>
+                <a16:creationId xmlns:a16="http://schemas.microsoft.com/office/drawing/2014/main" xmlns="" id="{4610B96E-6F6B-4597-8ADF-B68C8A17E820}"/>
               </a:ext>
             </a:extLst>
           </p:cNvPr>
@@ -3742,63 +3743,10 @@
           </a:p>
         </p:txBody>
       </p:sp>
-      <p:sp>
-        <p:nvSpPr>
-          <p:cNvPr id="5" name="Rectangle 4"/>
-          <p:cNvSpPr/>
-          <p:nvPr/>
-        </p:nvSpPr>
-        <p:spPr>
-          <a:xfrm>
-            <a:off x="1558702" y="3068960"/>
-            <a:ext cx="9001000" cy="646331"/>
-          </a:xfrm>
-          <a:prstGeom prst="rect">
-            <a:avLst/>
-          </a:prstGeom>
-        </p:spPr>
-        <p:txBody>
-          <a:bodyPr wrap="square">
-            <a:spAutoFit/>
-          </a:bodyPr>
-          <a:lstStyle/>
-          <a:p>
-            <a:r>
-              <a:rPr lang="en-US" dirty="0" smtClean="0"/>
-              <a:t>The </a:t>
-            </a:r>
-            <a:r>
-              <a:rPr lang="en-US" b="1" dirty="0" smtClean="0"/>
-              <a:t>SQL Joins</a:t>
-            </a:r>
-            <a:r>
-              <a:rPr lang="en-US" dirty="0" smtClean="0"/>
-              <a:t> clause is </a:t>
-            </a:r>
-            <a:r>
-              <a:rPr lang="en-US" b="1" dirty="0" smtClean="0"/>
-              <a:t>used</a:t>
-            </a:r>
-            <a:r>
-              <a:rPr lang="en-US" dirty="0" smtClean="0"/>
-              <a:t> to combine records from two or more tables in a database. A </a:t>
-            </a:r>
-            <a:r>
-              <a:rPr lang="en-US" b="1" dirty="0" smtClean="0"/>
-              <a:t>JOIN</a:t>
-            </a:r>
-            <a:r>
-              <a:rPr lang="en-US" dirty="0" smtClean="0"/>
-              <a:t> is a means for combining fields from two tables by using values common to each.</a:t>
-            </a:r>
-            <a:endParaRPr lang="en-US" dirty="0"/>
-          </a:p>
-        </p:txBody>
-      </p:sp>
     </p:spTree>
     <p:extLst>
       <p:ext uri="{BB962C8B-B14F-4D97-AF65-F5344CB8AC3E}">
-        <p14:creationId xmlns="" xmlns:p14="http://schemas.microsoft.com/office/powerpoint/2010/main" val="4253925860"/>
+        <p14:creationId xmlns:p14="http://schemas.microsoft.com/office/powerpoint/2010/main" xmlns="" val="4253925860"/>
       </p:ext>
     </p:extLst>
   </p:cSld>
@@ -3842,7 +3790,7 @@
         </p:nvSpPr>
         <p:spPr>
           <a:xfrm>
-            <a:off x="1630710" y="1556792"/>
+            <a:off x="1270670" y="1700808"/>
             <a:ext cx="8838049" cy="914400"/>
           </a:xfrm>
           <a:prstGeom prst="rect">
@@ -3866,7 +3814,7 @@
                 <a:latin typeface="Segoe UI Light" panose="020B0502040204020203" pitchFamily="34" charset="0"/>
                 <a:cs typeface="Segoe UI Light" panose="020B0502040204020203" pitchFamily="34" charset="0"/>
               </a:rPr>
-              <a:t>Need of JOINS</a:t>
+              <a:t>Introduction to JOINS</a:t>
             </a:r>
             <a:endParaRPr lang="en-US" sz="4800" dirty="0">
               <a:latin typeface="Segoe UI Light" panose="020B0502040204020203" pitchFamily="34" charset="0"/>
@@ -3880,7 +3828,7 @@
           <p:cNvPr id="3" name="Picture 2">
             <a:extLst>
               <a:ext uri="{FF2B5EF4-FFF2-40B4-BE49-F238E27FC236}">
-                <a16:creationId xmlns="" xmlns:a16="http://schemas.microsoft.com/office/drawing/2014/main" id="{41A85463-8A73-4AAF-B006-A8206B2E4A66}"/>
+                <a16:creationId xmlns:a16="http://schemas.microsoft.com/office/drawing/2014/main" xmlns="" id="{41A85463-8A73-4AAF-B006-A8206B2E4A66}"/>
               </a:ext>
             </a:extLst>
           </p:cNvPr>
@@ -3893,7 +3841,7 @@
           <a:blip r:embed="rId2" cstate="print">
             <a:extLst>
               <a:ext uri="{28A0092B-C50C-407E-A947-70E740481C1C}">
-                <a14:useLocalDpi xmlns="" xmlns:a14="http://schemas.microsoft.com/office/drawing/2010/main" val="0"/>
+                <a14:useLocalDpi xmlns:a14="http://schemas.microsoft.com/office/drawing/2010/main" xmlns="" val="0"/>
               </a:ext>
             </a:extLst>
           </a:blip>
@@ -3916,7 +3864,7 @@
           <p:cNvPr id="4" name="Footer Placeholder 2">
             <a:extLst>
               <a:ext uri="{FF2B5EF4-FFF2-40B4-BE49-F238E27FC236}">
-                <a16:creationId xmlns="" xmlns:a16="http://schemas.microsoft.com/office/drawing/2014/main" id="{4610B96E-6F6B-4597-8ADF-B68C8A17E820}"/>
+                <a16:creationId xmlns:a16="http://schemas.microsoft.com/office/drawing/2014/main" xmlns="" id="{4610B96E-6F6B-4597-8ADF-B68C8A17E820}"/>
               </a:ext>
             </a:extLst>
           </p:cNvPr>
@@ -4045,131 +3993,61 @@
       </p:sp>
       <p:sp>
         <p:nvSpPr>
-          <p:cNvPr id="7" name="Title 1"/>
-          <p:cNvSpPr txBox="1">
-            <a:spLocks/>
-          </p:cNvSpPr>
+          <p:cNvPr id="5" name="Rectangle 4"/>
+          <p:cNvSpPr/>
           <p:nvPr/>
         </p:nvSpPr>
         <p:spPr>
           <a:xfrm>
-            <a:off x="1558702" y="2636912"/>
-            <a:ext cx="8838049" cy="3352800"/>
-          </a:xfrm>
-          <a:prstGeom prst="rect">
-            <a:avLst/>
-          </a:prstGeom>
-          <a:solidFill>
-            <a:schemeClr val="bg1"/>
-          </a:solidFill>
-        </p:spPr>
-        <p:txBody>
-          <a:bodyPr>
-            <a:noAutofit/>
+            <a:off x="1558702" y="3068960"/>
+            <a:ext cx="9001000" cy="646331"/>
+          </a:xfrm>
+          <a:prstGeom prst="rect">
+            <a:avLst/>
+          </a:prstGeom>
+        </p:spPr>
+        <p:txBody>
+          <a:bodyPr wrap="square">
+            <a:spAutoFit/>
           </a:bodyPr>
           <a:lstStyle/>
           <a:p>
-            <a:pPr lvl="0" algn="ctr">
-              <a:spcBef>
-                <a:spcPct val="0"/>
-              </a:spcBef>
-              <a:defRPr/>
-            </a:pPr>
-            <a:endParaRPr lang="en-US" sz="2800" dirty="0">
-              <a:latin typeface="Arial" pitchFamily="34" charset="0"/>
-              <a:cs typeface="Arial" pitchFamily="34" charset="0"/>
-            </a:endParaRPr>
-          </a:p>
-          <a:p>
-            <a:pPr lvl="0" algn="ctr">
-              <a:spcBef>
-                <a:spcPct val="0"/>
-              </a:spcBef>
-              <a:defRPr/>
-            </a:pPr>
-            <a:r>
-              <a:rPr lang="en-US" sz="3600" b="1" dirty="0">
-                <a:latin typeface="Arial" pitchFamily="34" charset="0"/>
-                <a:cs typeface="Arial" pitchFamily="34" charset="0"/>
-              </a:rPr>
-              <a:t>JOINS</a:t>
-            </a:r>
-            <a:r>
-              <a:rPr lang="en-US" sz="2800" dirty="0">
-                <a:latin typeface="Arial" pitchFamily="34" charset="0"/>
-                <a:cs typeface="Arial" pitchFamily="34" charset="0"/>
-              </a:rPr>
-              <a:t> are used to </a:t>
-            </a:r>
-            <a:r>
-              <a:rPr lang="en-US" sz="3600" b="1" dirty="0">
-                <a:latin typeface="Arial" pitchFamily="34" charset="0"/>
-                <a:cs typeface="Arial" pitchFamily="34" charset="0"/>
-              </a:rPr>
-              <a:t>retrieve data from multiple tables</a:t>
-            </a:r>
-            <a:r>
-              <a:rPr lang="en-US" sz="2800" dirty="0">
-                <a:latin typeface="Arial" pitchFamily="34" charset="0"/>
-                <a:cs typeface="Arial" pitchFamily="34" charset="0"/>
-              </a:rPr>
-              <a:t>.</a:t>
-            </a:r>
-          </a:p>
-          <a:p>
-            <a:pPr lvl="0" algn="ctr">
-              <a:spcBef>
-                <a:spcPct val="0"/>
-              </a:spcBef>
-              <a:defRPr/>
-            </a:pPr>
-            <a:endParaRPr lang="en-US" sz="2800" dirty="0">
-              <a:latin typeface="Arial" pitchFamily="34" charset="0"/>
-              <a:cs typeface="Arial" pitchFamily="34" charset="0"/>
-            </a:endParaRPr>
-          </a:p>
-          <a:p>
-            <a:pPr lvl="0" algn="ctr">
-              <a:spcBef>
-                <a:spcPct val="0"/>
-              </a:spcBef>
-              <a:defRPr/>
-            </a:pPr>
-            <a:r>
-              <a:rPr lang="en-US" sz="3600" b="1" dirty="0">
-                <a:latin typeface="Arial" pitchFamily="34" charset="0"/>
-                <a:cs typeface="Arial" pitchFamily="34" charset="0"/>
-              </a:rPr>
+            <a:r>
+              <a:rPr lang="en-US" dirty="0" smtClean="0"/>
+              <a:t>The </a:t>
+            </a:r>
+            <a:r>
+              <a:rPr lang="en-US" b="1" dirty="0" smtClean="0"/>
+              <a:t>SQL Joins</a:t>
+            </a:r>
+            <a:r>
+              <a:rPr lang="en-US" dirty="0" smtClean="0"/>
+              <a:t> clause is </a:t>
+            </a:r>
+            <a:r>
+              <a:rPr lang="en-US" b="1" dirty="0" smtClean="0"/>
+              <a:t>used</a:t>
+            </a:r>
+            <a:r>
+              <a:rPr lang="en-US" dirty="0" smtClean="0"/>
+              <a:t> to combine records from two or more tables in a database. A </a:t>
+            </a:r>
+            <a:r>
+              <a:rPr lang="en-US" b="1" dirty="0" smtClean="0"/>
               <a:t>JOIN</a:t>
             </a:r>
             <a:r>
-              <a:rPr lang="en-US" sz="2800" dirty="0">
-                <a:latin typeface="Arial" pitchFamily="34" charset="0"/>
-                <a:cs typeface="Arial" pitchFamily="34" charset="0"/>
-              </a:rPr>
-              <a:t> is performed whenever </a:t>
-            </a:r>
-            <a:r>
-              <a:rPr lang="en-US" sz="2800" b="1" dirty="0">
-                <a:latin typeface="Arial" pitchFamily="34" charset="0"/>
-                <a:cs typeface="Arial" pitchFamily="34" charset="0"/>
-              </a:rPr>
-              <a:t>two or more tables </a:t>
-            </a:r>
-            <a:r>
-              <a:rPr lang="en-US" sz="2800" dirty="0">
-                <a:latin typeface="Arial" pitchFamily="34" charset="0"/>
-                <a:cs typeface="Arial" pitchFamily="34" charset="0"/>
-              </a:rPr>
-              <a:t>are joined in a SQL statement.</a:t>
-            </a:r>
+              <a:rPr lang="en-US" dirty="0" smtClean="0"/>
+              <a:t> is a means for combining fields from two tables by using values common to each.</a:t>
+            </a:r>
+            <a:endParaRPr lang="en-US" dirty="0"/>
           </a:p>
         </p:txBody>
       </p:sp>
     </p:spTree>
     <p:extLst>
       <p:ext uri="{BB962C8B-B14F-4D97-AF65-F5344CB8AC3E}">
-        <p14:creationId xmlns="" xmlns:p14="http://schemas.microsoft.com/office/powerpoint/2010/main" val="4253925860"/>
+        <p14:creationId xmlns:p14="http://schemas.microsoft.com/office/powerpoint/2010/main" xmlns="" val="4253925860"/>
       </p:ext>
     </p:extLst>
   </p:cSld>
@@ -4203,221 +4081,12 @@
           <a:chExt cx="0" cy="0"/>
         </a:xfrm>
       </p:grpSpPr>
-      <p:sp>
-        <p:nvSpPr>
-          <p:cNvPr id="4" name="Rectangle 3"/>
-          <p:cNvSpPr/>
-          <p:nvPr/>
-        </p:nvSpPr>
-        <p:spPr>
-          <a:xfrm>
-            <a:off x="1523802" y="2"/>
-            <a:ext cx="9142810" cy="584775"/>
-          </a:xfrm>
-          <a:prstGeom prst="rect">
-            <a:avLst/>
-          </a:prstGeom>
-          <a:solidFill>
-            <a:schemeClr val="bg1"/>
-          </a:solidFill>
-        </p:spPr>
-        <p:txBody>
-          <a:bodyPr wrap="square">
-            <a:spAutoFit/>
-          </a:bodyPr>
-          <a:lstStyle/>
-          <a:p>
-            <a:pPr algn="r"/>
-            <a:r>
-              <a:rPr lang="en-US" sz="3200" b="1" i="1" dirty="0">
-                <a:latin typeface="Arial" pitchFamily="34" charset="0"/>
-                <a:cs typeface="Arial" pitchFamily="34" charset="0"/>
-              </a:rPr>
-              <a:t>JOINS</a:t>
-            </a:r>
-            <a:endParaRPr lang="en-IN" sz="3200" b="1" i="1" dirty="0">
-              <a:latin typeface="Arial" pitchFamily="34" charset="0"/>
-              <a:cs typeface="Arial" pitchFamily="34" charset="0"/>
-            </a:endParaRPr>
-          </a:p>
-        </p:txBody>
-      </p:sp>
-      <p:sp>
-        <p:nvSpPr>
-          <p:cNvPr id="3" name="Rectangle 2"/>
-          <p:cNvSpPr/>
-          <p:nvPr/>
-        </p:nvSpPr>
-        <p:spPr>
-          <a:xfrm>
-            <a:off x="1523278" y="2726918"/>
-            <a:ext cx="8838049" cy="2862322"/>
-          </a:xfrm>
-          <a:prstGeom prst="rect">
-            <a:avLst/>
-          </a:prstGeom>
-        </p:spPr>
-        <p:txBody>
-          <a:bodyPr wrap="square">
-            <a:spAutoFit/>
-          </a:bodyPr>
-          <a:lstStyle/>
-          <a:p>
-            <a:pPr marL="285750" indent="-285750">
-              <a:spcBef>
-                <a:spcPct val="0"/>
-              </a:spcBef>
-              <a:buFont typeface="Arial" panose="020B0604020202020204" pitchFamily="34" charset="0"/>
-              <a:buChar char="•"/>
-              <a:defRPr/>
-            </a:pPr>
-            <a:r>
-              <a:rPr lang="en-US" sz="2000" dirty="0">
-                <a:latin typeface="Palatino Linotype" panose="02040502050505030304" pitchFamily="18" charset="0"/>
-                <a:cs typeface="Arial" pitchFamily="34" charset="0"/>
-              </a:rPr>
-              <a:t>Cartesian or Product Join – Cross Join</a:t>
-            </a:r>
-          </a:p>
-          <a:p>
-            <a:pPr marL="285750" indent="-285750">
-              <a:spcBef>
-                <a:spcPct val="0"/>
-              </a:spcBef>
-              <a:buFont typeface="Arial" panose="020B0604020202020204" pitchFamily="34" charset="0"/>
-              <a:buChar char="•"/>
-              <a:defRPr/>
-            </a:pPr>
-            <a:endParaRPr lang="en-US" sz="2000" dirty="0">
-              <a:latin typeface="Palatino Linotype" panose="02040502050505030304" pitchFamily="18" charset="0"/>
-              <a:cs typeface="Arial" pitchFamily="34" charset="0"/>
-            </a:endParaRPr>
-          </a:p>
-          <a:p>
-            <a:pPr marL="285750" indent="-285750">
-              <a:spcBef>
-                <a:spcPct val="0"/>
-              </a:spcBef>
-              <a:buFont typeface="Arial" panose="020B0604020202020204" pitchFamily="34" charset="0"/>
-              <a:buChar char="•"/>
-              <a:defRPr/>
-            </a:pPr>
-            <a:r>
-              <a:rPr lang="en-US" sz="2000" dirty="0">
-                <a:latin typeface="Palatino Linotype" panose="02040502050505030304" pitchFamily="18" charset="0"/>
-                <a:cs typeface="Arial" pitchFamily="34" charset="0"/>
-              </a:rPr>
-              <a:t>Equijoin – Inner Join</a:t>
-            </a:r>
-          </a:p>
-          <a:p>
-            <a:pPr marL="285750" indent="-285750">
-              <a:spcBef>
-                <a:spcPct val="0"/>
-              </a:spcBef>
-              <a:buFont typeface="Arial" panose="020B0604020202020204" pitchFamily="34" charset="0"/>
-              <a:buChar char="•"/>
-              <a:defRPr/>
-            </a:pPr>
-            <a:endParaRPr lang="en-US" sz="2000" dirty="0">
-              <a:latin typeface="Palatino Linotype" panose="02040502050505030304" pitchFamily="18" charset="0"/>
-              <a:cs typeface="Arial" pitchFamily="34" charset="0"/>
-            </a:endParaRPr>
-          </a:p>
-          <a:p>
-            <a:pPr marL="285750" indent="-285750">
-              <a:spcBef>
-                <a:spcPct val="0"/>
-              </a:spcBef>
-              <a:buFont typeface="Arial" panose="020B0604020202020204" pitchFamily="34" charset="0"/>
-              <a:buChar char="•"/>
-              <a:defRPr/>
-            </a:pPr>
-            <a:r>
-              <a:rPr lang="en-US" sz="2000" dirty="0">
-                <a:latin typeface="Palatino Linotype" panose="02040502050505030304" pitchFamily="18" charset="0"/>
-                <a:cs typeface="Arial" pitchFamily="34" charset="0"/>
-              </a:rPr>
-              <a:t>Natural Join</a:t>
-            </a:r>
-          </a:p>
-          <a:p>
-            <a:pPr marL="285750" indent="-285750">
-              <a:spcBef>
-                <a:spcPct val="0"/>
-              </a:spcBef>
-              <a:buFont typeface="Arial" panose="020B0604020202020204" pitchFamily="34" charset="0"/>
-              <a:buChar char="•"/>
-              <a:defRPr/>
-            </a:pPr>
-            <a:endParaRPr lang="en-US" sz="2000" dirty="0">
-              <a:latin typeface="Palatino Linotype" panose="02040502050505030304" pitchFamily="18" charset="0"/>
-              <a:cs typeface="Arial" pitchFamily="34" charset="0"/>
-            </a:endParaRPr>
-          </a:p>
-          <a:p>
-            <a:pPr marL="285750" indent="-285750">
-              <a:spcBef>
-                <a:spcPct val="0"/>
-              </a:spcBef>
-              <a:buFont typeface="Arial" panose="020B0604020202020204" pitchFamily="34" charset="0"/>
-              <a:buChar char="•"/>
-              <a:defRPr/>
-            </a:pPr>
-            <a:r>
-              <a:rPr lang="en-US" sz="2000" dirty="0" smtClean="0">
-                <a:latin typeface="Palatino Linotype" panose="02040502050505030304" pitchFamily="18" charset="0"/>
-                <a:cs typeface="Arial" pitchFamily="34" charset="0"/>
-              </a:rPr>
-              <a:t>Outer </a:t>
-            </a:r>
-            <a:r>
-              <a:rPr lang="en-US" sz="2000" dirty="0">
-                <a:latin typeface="Palatino Linotype" panose="02040502050505030304" pitchFamily="18" charset="0"/>
-                <a:cs typeface="Arial" pitchFamily="34" charset="0"/>
-              </a:rPr>
-              <a:t>Join – Right Outer Join, Left Outer Join</a:t>
-            </a:r>
-          </a:p>
-          <a:p>
-            <a:pPr marL="285750" indent="-285750">
-              <a:spcBef>
-                <a:spcPct val="0"/>
-              </a:spcBef>
-              <a:buFont typeface="Arial" panose="020B0604020202020204" pitchFamily="34" charset="0"/>
-              <a:buChar char="•"/>
-              <a:defRPr/>
-            </a:pPr>
-            <a:endParaRPr lang="en-US" sz="2000" dirty="0">
-              <a:latin typeface="Palatino Linotype" panose="02040502050505030304" pitchFamily="18" charset="0"/>
-              <a:cs typeface="Arial" pitchFamily="34" charset="0"/>
-            </a:endParaRPr>
-          </a:p>
-          <a:p>
-            <a:pPr marL="285750" indent="-285750">
-              <a:spcBef>
-                <a:spcPct val="0"/>
-              </a:spcBef>
-              <a:buFont typeface="Arial" panose="020B0604020202020204" pitchFamily="34" charset="0"/>
-              <a:buChar char="•"/>
-              <a:defRPr/>
-            </a:pPr>
-            <a:r>
-              <a:rPr lang="en-US" sz="2000" dirty="0">
-                <a:latin typeface="Palatino Linotype" panose="02040502050505030304" pitchFamily="18" charset="0"/>
-                <a:cs typeface="Arial" pitchFamily="34" charset="0"/>
-              </a:rPr>
-              <a:t>Self Join</a:t>
-            </a:r>
-          </a:p>
-        </p:txBody>
-      </p:sp>
       <p:pic>
         <p:nvPicPr>
-          <p:cNvPr id="5" name="Picture 4">
+          <p:cNvPr id="3" name="Picture 2">
             <a:extLst>
               <a:ext uri="{FF2B5EF4-FFF2-40B4-BE49-F238E27FC236}">
-                <a16:creationId xmlns="" xmlns:a16="http://schemas.microsoft.com/office/drawing/2014/main" id="{80A95AA2-4844-43C8-9208-2E7A2BF1C7BA}"/>
+                <a16:creationId xmlns:a16="http://schemas.microsoft.com/office/drawing/2014/main" xmlns="" id="{41A85463-8A73-4AAF-B006-A8206B2E4A66}"/>
               </a:ext>
             </a:extLst>
           </p:cNvPr>
@@ -4430,7 +4099,7 @@
           <a:blip r:embed="rId2" cstate="print">
             <a:extLst>
               <a:ext uri="{28A0092B-C50C-407E-A947-70E740481C1C}">
-                <a14:useLocalDpi xmlns="" xmlns:a14="http://schemas.microsoft.com/office/drawing/2010/main" val="0"/>
+                <a14:useLocalDpi xmlns:a14="http://schemas.microsoft.com/office/drawing/2010/main" xmlns="" val="0"/>
               </a:ext>
             </a:extLst>
           </a:blip>
@@ -4450,10 +4119,10 @@
       </p:pic>
       <p:sp>
         <p:nvSpPr>
-          <p:cNvPr id="7" name="Footer Placeholder 2">
+          <p:cNvPr id="4" name="Footer Placeholder 2">
             <a:extLst>
               <a:ext uri="{FF2B5EF4-FFF2-40B4-BE49-F238E27FC236}">
-                <a16:creationId xmlns="" xmlns:a16="http://schemas.microsoft.com/office/drawing/2014/main" id="{2196042C-8979-4101-B0F1-8A01C03AF006}"/>
+                <a16:creationId xmlns:a16="http://schemas.microsoft.com/office/drawing/2014/main" xmlns="" id="{4610B96E-6F6B-4597-8ADF-B68C8A17E820}"/>
               </a:ext>
             </a:extLst>
           </p:cNvPr>
@@ -4582,7 +4251,7 @@
       </p:sp>
       <p:sp>
         <p:nvSpPr>
-          <p:cNvPr id="8" name="Title 1"/>
+          <p:cNvPr id="7" name="Title 1"/>
           <p:cNvSpPr txBox="1">
             <a:spLocks/>
           </p:cNvSpPr>
@@ -4590,35 +4259,154 @@
         </p:nvSpPr>
         <p:spPr>
           <a:xfrm>
-            <a:off x="1630710" y="1556792"/>
-            <a:ext cx="8838049" cy="914400"/>
-          </a:xfrm>
-          <a:prstGeom prst="rect">
-            <a:avLst/>
-          </a:prstGeom>
+            <a:off x="1558702" y="1214422"/>
+            <a:ext cx="8838049" cy="3352800"/>
+          </a:xfrm>
+          <a:prstGeom prst="rect">
+            <a:avLst/>
+          </a:prstGeom>
+          <a:solidFill>
+            <a:schemeClr val="bg1"/>
+          </a:solidFill>
         </p:spPr>
         <p:txBody>
           <a:bodyPr>
-            <a:normAutofit/>
+            <a:noAutofit/>
           </a:bodyPr>
           <a:lstStyle/>
           <a:p>
-            <a:pPr algn="ctr">
+            <a:pPr lvl="0" algn="ctr">
               <a:spcBef>
                 <a:spcPct val="0"/>
               </a:spcBef>
               <a:defRPr/>
             </a:pPr>
-            <a:r>
-              <a:rPr lang="en-US" sz="4800" dirty="0" smtClean="0">
-                <a:latin typeface="Segoe UI Light" panose="020B0502040204020203" pitchFamily="34" charset="0"/>
-                <a:cs typeface="Segoe UI Light" panose="020B0502040204020203" pitchFamily="34" charset="0"/>
+            <a:endParaRPr lang="en-US" sz="2800" dirty="0">
+              <a:latin typeface="Arial" pitchFamily="34" charset="0"/>
+              <a:cs typeface="Arial" pitchFamily="34" charset="0"/>
+            </a:endParaRPr>
+          </a:p>
+          <a:p>
+            <a:pPr lvl="0" algn="ctr">
+              <a:spcBef>
+                <a:spcPct val="0"/>
+              </a:spcBef>
+              <a:defRPr/>
+            </a:pPr>
+            <a:r>
+              <a:rPr lang="en-US" sz="3600" b="1" dirty="0">
+                <a:latin typeface="Arial" pitchFamily="34" charset="0"/>
+                <a:cs typeface="Arial" pitchFamily="34" charset="0"/>
               </a:rPr>
-              <a:t>Types of JOINS</a:t>
-            </a:r>
-            <a:endParaRPr lang="en-US" sz="4800" dirty="0">
-              <a:latin typeface="Segoe UI Light" panose="020B0502040204020203" pitchFamily="34" charset="0"/>
-              <a:cs typeface="Segoe UI Light" panose="020B0502040204020203" pitchFamily="34" charset="0"/>
+              <a:t>JOINS</a:t>
+            </a:r>
+            <a:r>
+              <a:rPr lang="en-US" sz="2800" dirty="0">
+                <a:latin typeface="Arial" pitchFamily="34" charset="0"/>
+                <a:cs typeface="Arial" pitchFamily="34" charset="0"/>
+              </a:rPr>
+              <a:t> are used to </a:t>
+            </a:r>
+            <a:r>
+              <a:rPr lang="en-US" sz="3600" b="1" dirty="0">
+                <a:latin typeface="Arial" pitchFamily="34" charset="0"/>
+                <a:cs typeface="Arial" pitchFamily="34" charset="0"/>
+              </a:rPr>
+              <a:t>retrieve data from multiple tables</a:t>
+            </a:r>
+            <a:r>
+              <a:rPr lang="en-US" sz="2800" dirty="0">
+                <a:latin typeface="Arial" pitchFamily="34" charset="0"/>
+                <a:cs typeface="Arial" pitchFamily="34" charset="0"/>
+              </a:rPr>
+              <a:t>.</a:t>
+            </a:r>
+          </a:p>
+          <a:p>
+            <a:pPr lvl="0" algn="ctr">
+              <a:spcBef>
+                <a:spcPct val="0"/>
+              </a:spcBef>
+              <a:defRPr/>
+            </a:pPr>
+            <a:endParaRPr lang="en-US" sz="2800" dirty="0">
+              <a:latin typeface="Arial" pitchFamily="34" charset="0"/>
+              <a:cs typeface="Arial" pitchFamily="34" charset="0"/>
+            </a:endParaRPr>
+          </a:p>
+          <a:p>
+            <a:pPr lvl="0" algn="ctr">
+              <a:spcBef>
+                <a:spcPct val="0"/>
+              </a:spcBef>
+              <a:defRPr/>
+            </a:pPr>
+            <a:r>
+              <a:rPr lang="en-US" sz="3600" b="1" dirty="0">
+                <a:latin typeface="Arial" pitchFamily="34" charset="0"/>
+                <a:cs typeface="Arial" pitchFamily="34" charset="0"/>
+              </a:rPr>
+              <a:t>JOIN</a:t>
+            </a:r>
+            <a:r>
+              <a:rPr lang="en-US" sz="2800" dirty="0">
+                <a:latin typeface="Arial" pitchFamily="34" charset="0"/>
+                <a:cs typeface="Arial" pitchFamily="34" charset="0"/>
+              </a:rPr>
+              <a:t> is performed whenever </a:t>
+            </a:r>
+            <a:r>
+              <a:rPr lang="en-US" sz="2800" b="1" dirty="0">
+                <a:latin typeface="Arial" pitchFamily="34" charset="0"/>
+                <a:cs typeface="Arial" pitchFamily="34" charset="0"/>
+              </a:rPr>
+              <a:t>two or more tables </a:t>
+            </a:r>
+            <a:r>
+              <a:rPr lang="en-US" sz="2800" dirty="0">
+                <a:latin typeface="Arial" pitchFamily="34" charset="0"/>
+                <a:cs typeface="Arial" pitchFamily="34" charset="0"/>
+              </a:rPr>
+              <a:t>are joined in a SQL statement.</a:t>
+            </a:r>
+          </a:p>
+        </p:txBody>
+      </p:sp>
+      <p:sp>
+        <p:nvSpPr>
+          <p:cNvPr id="6" name="Rectangle 5"/>
+          <p:cNvSpPr/>
+          <p:nvPr/>
+        </p:nvSpPr>
+        <p:spPr>
+          <a:xfrm>
+            <a:off x="1523802" y="2"/>
+            <a:ext cx="9142810" cy="584775"/>
+          </a:xfrm>
+          <a:prstGeom prst="rect">
+            <a:avLst/>
+          </a:prstGeom>
+          <a:solidFill>
+            <a:schemeClr val="bg1"/>
+          </a:solidFill>
+        </p:spPr>
+        <p:txBody>
+          <a:bodyPr wrap="square">
+            <a:spAutoFit/>
+          </a:bodyPr>
+          <a:lstStyle/>
+          <a:p>
+            <a:pPr algn="r"/>
+            <a:r>
+              <a:rPr lang="en-US" sz="3200" b="1" i="1" dirty="0" smtClean="0">
+                <a:latin typeface="Arial" pitchFamily="34" charset="0"/>
+                <a:cs typeface="Arial" pitchFamily="34" charset="0"/>
+              </a:rPr>
+              <a:t>need of JOINS</a:t>
+            </a:r>
+            <a:endParaRPr lang="en-IN" sz="3200" b="1" i="1" dirty="0">
+              <a:latin typeface="Arial" pitchFamily="34" charset="0"/>
+              <a:cs typeface="Arial" pitchFamily="34" charset="0"/>
             </a:endParaRPr>
           </a:p>
         </p:txBody>
@@ -4626,13 +4414,20 @@
     </p:spTree>
     <p:extLst>
       <p:ext uri="{BB962C8B-B14F-4D97-AF65-F5344CB8AC3E}">
-        <p14:creationId xmlns="" xmlns:p14="http://schemas.microsoft.com/office/powerpoint/2010/main" val="2579396880"/>
+        <p14:creationId xmlns:p14="http://schemas.microsoft.com/office/powerpoint/2010/main" xmlns="" val="4253925860"/>
       </p:ext>
     </p:extLst>
   </p:cSld>
   <p:clrMapOvr>
     <a:masterClrMapping/>
   </p:clrMapOvr>
+  <p:timing>
+    <p:tnLst>
+      <p:par>
+        <p:cTn id="1" dur="indefinite" restart="never" nodeType="tmRoot"/>
+      </p:par>
+    </p:tnLst>
+  </p:timing>
 </p:sld>
 </file>
 
@@ -4683,7 +4478,7 @@
                 <a:latin typeface="Arial" pitchFamily="34" charset="0"/>
                 <a:cs typeface="Arial" pitchFamily="34" charset="0"/>
               </a:rPr>
-              <a:t>cartesian, product / cross join</a:t>
+              <a:t>types of JOINS</a:t>
             </a:r>
             <a:endParaRPr lang="en-IN" sz="3200" b="1" i="1" dirty="0">
               <a:latin typeface="Arial" pitchFamily="34" charset="0"/>
@@ -4694,14 +4489,14 @@
       </p:sp>
       <p:sp>
         <p:nvSpPr>
-          <p:cNvPr id="5" name="Rectangle 4"/>
+          <p:cNvPr id="3" name="Rectangle 2"/>
           <p:cNvSpPr/>
           <p:nvPr/>
         </p:nvSpPr>
         <p:spPr>
           <a:xfrm>
-            <a:off x="197346" y="936000"/>
-            <a:ext cx="11586492" cy="648000"/>
+            <a:off x="1523278" y="2726918"/>
+            <a:ext cx="8838049" cy="2862322"/>
           </a:xfrm>
           <a:prstGeom prst="rect">
             <a:avLst/>
@@ -4713,26 +4508,161 @@
           </a:bodyPr>
           <a:lstStyle/>
           <a:p>
-            <a:r>
-              <a:rPr lang="en-US" dirty="0">
+            <a:pPr marL="285750" indent="-285750">
+              <a:spcBef>
+                <a:spcPct val="0"/>
+              </a:spcBef>
+              <a:buFont typeface="Arial" panose="020B0604020202020204" pitchFamily="34" charset="0"/>
+              <a:buChar char="•"/>
+              <a:defRPr/>
+            </a:pPr>
+            <a:r>
+              <a:rPr lang="en-US" sz="2000" dirty="0">
                 <a:latin typeface="Palatino Linotype" panose="02040502050505030304" pitchFamily="18" charset="0"/>
-                <a:cs typeface="Arial" panose="020B0604020202020204" pitchFamily="34" charset="0"/>
+                <a:cs typeface="Arial" pitchFamily="34" charset="0"/>
               </a:rPr>
-              <a:t>Cartesian or Product joins are joins without a join condition. Each row of one table is combined with each row of another table. The result is referred to as a Cartesian product.</a:t>
-            </a:r>
-            <a:endParaRPr lang="en-IN" dirty="0">
+              <a:t>Cartesian or Product Join – Cross Join</a:t>
+            </a:r>
+          </a:p>
+          <a:p>
+            <a:pPr marL="285750" indent="-285750">
+              <a:spcBef>
+                <a:spcPct val="0"/>
+              </a:spcBef>
+              <a:buFont typeface="Arial" panose="020B0604020202020204" pitchFamily="34" charset="0"/>
+              <a:buChar char="•"/>
+              <a:defRPr/>
+            </a:pPr>
+            <a:endParaRPr lang="en-US" sz="2000" dirty="0">
               <a:latin typeface="Palatino Linotype" panose="02040502050505030304" pitchFamily="18" charset="0"/>
-              <a:cs typeface="Arial" panose="020B0604020202020204" pitchFamily="34" charset="0"/>
+              <a:cs typeface="Arial" pitchFamily="34" charset="0"/>
             </a:endParaRPr>
+          </a:p>
+          <a:p>
+            <a:pPr marL="285750" indent="-285750">
+              <a:spcBef>
+                <a:spcPct val="0"/>
+              </a:spcBef>
+              <a:buFont typeface="Arial" panose="020B0604020202020204" pitchFamily="34" charset="0"/>
+              <a:buChar char="•"/>
+              <a:defRPr/>
+            </a:pPr>
+            <a:r>
+              <a:rPr lang="en-US" sz="2000" dirty="0">
+                <a:latin typeface="Palatino Linotype" panose="02040502050505030304" pitchFamily="18" charset="0"/>
+                <a:cs typeface="Arial" pitchFamily="34" charset="0"/>
+              </a:rPr>
+              <a:t>Equijoin – Inner Join</a:t>
+            </a:r>
+          </a:p>
+          <a:p>
+            <a:pPr marL="285750" indent="-285750">
+              <a:spcBef>
+                <a:spcPct val="0"/>
+              </a:spcBef>
+              <a:buFont typeface="Arial" panose="020B0604020202020204" pitchFamily="34" charset="0"/>
+              <a:buChar char="•"/>
+              <a:defRPr/>
+            </a:pPr>
+            <a:endParaRPr lang="en-US" sz="2000" dirty="0">
+              <a:latin typeface="Palatino Linotype" panose="02040502050505030304" pitchFamily="18" charset="0"/>
+              <a:cs typeface="Arial" pitchFamily="34" charset="0"/>
+            </a:endParaRPr>
+          </a:p>
+          <a:p>
+            <a:pPr marL="285750" indent="-285750">
+              <a:spcBef>
+                <a:spcPct val="0"/>
+              </a:spcBef>
+              <a:buFont typeface="Arial" panose="020B0604020202020204" pitchFamily="34" charset="0"/>
+              <a:buChar char="•"/>
+              <a:defRPr/>
+            </a:pPr>
+            <a:r>
+              <a:rPr lang="en-US" sz="2000" dirty="0">
+                <a:latin typeface="Palatino Linotype" panose="02040502050505030304" pitchFamily="18" charset="0"/>
+                <a:cs typeface="Arial" pitchFamily="34" charset="0"/>
+              </a:rPr>
+              <a:t>Natural Join</a:t>
+            </a:r>
+          </a:p>
+          <a:p>
+            <a:pPr marL="285750" indent="-285750">
+              <a:spcBef>
+                <a:spcPct val="0"/>
+              </a:spcBef>
+              <a:buFont typeface="Arial" panose="020B0604020202020204" pitchFamily="34" charset="0"/>
+              <a:buChar char="•"/>
+              <a:defRPr/>
+            </a:pPr>
+            <a:endParaRPr lang="en-US" sz="2000" dirty="0">
+              <a:latin typeface="Palatino Linotype" panose="02040502050505030304" pitchFamily="18" charset="0"/>
+              <a:cs typeface="Arial" pitchFamily="34" charset="0"/>
+            </a:endParaRPr>
+          </a:p>
+          <a:p>
+            <a:pPr marL="285750" indent="-285750">
+              <a:spcBef>
+                <a:spcPct val="0"/>
+              </a:spcBef>
+              <a:buFont typeface="Arial" panose="020B0604020202020204" pitchFamily="34" charset="0"/>
+              <a:buChar char="•"/>
+              <a:defRPr/>
+            </a:pPr>
+            <a:r>
+              <a:rPr lang="en-US" sz="2000" dirty="0" smtClean="0">
+                <a:latin typeface="Palatino Linotype" panose="02040502050505030304" pitchFamily="18" charset="0"/>
+                <a:cs typeface="Arial" pitchFamily="34" charset="0"/>
+              </a:rPr>
+              <a:t>Outer </a:t>
+            </a:r>
+            <a:r>
+              <a:rPr lang="en-US" sz="2000" dirty="0">
+                <a:latin typeface="Palatino Linotype" panose="02040502050505030304" pitchFamily="18" charset="0"/>
+                <a:cs typeface="Arial" pitchFamily="34" charset="0"/>
+              </a:rPr>
+              <a:t>Join – Right Outer Join, Left Outer Join</a:t>
+            </a:r>
+          </a:p>
+          <a:p>
+            <a:pPr marL="285750" indent="-285750">
+              <a:spcBef>
+                <a:spcPct val="0"/>
+              </a:spcBef>
+              <a:buFont typeface="Arial" panose="020B0604020202020204" pitchFamily="34" charset="0"/>
+              <a:buChar char="•"/>
+              <a:defRPr/>
+            </a:pPr>
+            <a:endParaRPr lang="en-US" sz="2000" dirty="0">
+              <a:latin typeface="Palatino Linotype" panose="02040502050505030304" pitchFamily="18" charset="0"/>
+              <a:cs typeface="Arial" pitchFamily="34" charset="0"/>
+            </a:endParaRPr>
+          </a:p>
+          <a:p>
+            <a:pPr marL="285750" indent="-285750">
+              <a:spcBef>
+                <a:spcPct val="0"/>
+              </a:spcBef>
+              <a:buFont typeface="Arial" panose="020B0604020202020204" pitchFamily="34" charset="0"/>
+              <a:buChar char="•"/>
+              <a:defRPr/>
+            </a:pPr>
+            <a:r>
+              <a:rPr lang="en-US" sz="2000" dirty="0">
+                <a:latin typeface="Palatino Linotype" panose="02040502050505030304" pitchFamily="18" charset="0"/>
+                <a:cs typeface="Arial" pitchFamily="34" charset="0"/>
+              </a:rPr>
+              <a:t>Self Join</a:t>
+            </a:r>
           </a:p>
         </p:txBody>
       </p:sp>
       <p:pic>
         <p:nvPicPr>
-          <p:cNvPr id="10" name="Picture 9">
+          <p:cNvPr id="5" name="Picture 4">
             <a:extLst>
               <a:ext uri="{FF2B5EF4-FFF2-40B4-BE49-F238E27FC236}">
-                <a16:creationId xmlns="" xmlns:a16="http://schemas.microsoft.com/office/drawing/2014/main" id="{DC1AD0D1-FD35-4B55-84D6-1ED3F558EF4B}"/>
+                <a16:creationId xmlns:a16="http://schemas.microsoft.com/office/drawing/2014/main" xmlns="" id="{80A95AA2-4844-43C8-9208-2E7A2BF1C7BA}"/>
               </a:ext>
             </a:extLst>
           </p:cNvPr>
@@ -4745,7 +4675,7 @@
           <a:blip r:embed="rId2" cstate="print">
             <a:extLst>
               <a:ext uri="{28A0092B-C50C-407E-A947-70E740481C1C}">
-                <a14:useLocalDpi xmlns="" xmlns:a14="http://schemas.microsoft.com/office/drawing/2010/main" val="0"/>
+                <a14:useLocalDpi xmlns:a14="http://schemas.microsoft.com/office/drawing/2010/main" xmlns="" val="0"/>
               </a:ext>
             </a:extLst>
           </a:blip>
@@ -4765,10 +4695,10 @@
       </p:pic>
       <p:sp>
         <p:nvSpPr>
-          <p:cNvPr id="11" name="Footer Placeholder 2">
+          <p:cNvPr id="7" name="Footer Placeholder 2">
             <a:extLst>
               <a:ext uri="{FF2B5EF4-FFF2-40B4-BE49-F238E27FC236}">
-                <a16:creationId xmlns="" xmlns:a16="http://schemas.microsoft.com/office/drawing/2014/main" id="{9136102A-0328-4024-96D1-832FE306DC26}"/>
+                <a16:creationId xmlns:a16="http://schemas.microsoft.com/office/drawing/2014/main" xmlns="" id="{2196042C-8979-4101-B0F1-8A01C03AF006}"/>
               </a:ext>
             </a:extLst>
           </p:cNvPr>
@@ -4895,47 +4825,59 @@
           </a:p>
         </p:txBody>
       </p:sp>
-      <p:pic>
-        <p:nvPicPr>
-          <p:cNvPr id="2" name="Picture 1"/>
-          <p:cNvPicPr>
-            <a:picLocks noChangeAspect="1"/>
-          </p:cNvPicPr>
+      <p:sp>
+        <p:nvSpPr>
+          <p:cNvPr id="8" name="Title 1"/>
+          <p:cNvSpPr txBox="1">
+            <a:spLocks/>
+          </p:cNvSpPr>
           <p:nvPr/>
-        </p:nvPicPr>
-        <p:blipFill>
-          <a:blip r:embed="rId3"/>
-          <a:stretch>
-            <a:fillRect/>
-          </a:stretch>
-        </p:blipFill>
-        <p:spPr>
-          <a:xfrm>
-            <a:off x="1342678" y="1919734"/>
-            <a:ext cx="8848725" cy="4152900"/>
-          </a:xfrm>
-          <a:prstGeom prst="rect">
-            <a:avLst/>
-          </a:prstGeom>
-        </p:spPr>
-      </p:pic>
+        </p:nvSpPr>
+        <p:spPr>
+          <a:xfrm>
+            <a:off x="1630710" y="1556792"/>
+            <a:ext cx="8838049" cy="914400"/>
+          </a:xfrm>
+          <a:prstGeom prst="rect">
+            <a:avLst/>
+          </a:prstGeom>
+        </p:spPr>
+        <p:txBody>
+          <a:bodyPr>
+            <a:normAutofit/>
+          </a:bodyPr>
+          <a:lstStyle/>
+          <a:p>
+            <a:pPr algn="ctr">
+              <a:spcBef>
+                <a:spcPct val="0"/>
+              </a:spcBef>
+              <a:defRPr/>
+            </a:pPr>
+            <a:r>
+              <a:rPr lang="en-US" sz="4800" dirty="0" smtClean="0">
+                <a:latin typeface="Segoe UI Light" panose="020B0502040204020203" pitchFamily="34" charset="0"/>
+                <a:cs typeface="Segoe UI Light" panose="020B0502040204020203" pitchFamily="34" charset="0"/>
+              </a:rPr>
+              <a:t>Types of JOINS</a:t>
+            </a:r>
+            <a:endParaRPr lang="en-US" sz="4800" dirty="0">
+              <a:latin typeface="Segoe UI Light" panose="020B0502040204020203" pitchFamily="34" charset="0"/>
+              <a:cs typeface="Segoe UI Light" panose="020B0502040204020203" pitchFamily="34" charset="0"/>
+            </a:endParaRPr>
+          </a:p>
+        </p:txBody>
+      </p:sp>
     </p:spTree>
     <p:extLst>
       <p:ext uri="{BB962C8B-B14F-4D97-AF65-F5344CB8AC3E}">
-        <p14:creationId xmlns="" xmlns:p14="http://schemas.microsoft.com/office/powerpoint/2010/main" val="4233626751"/>
+        <p14:creationId xmlns:p14="http://schemas.microsoft.com/office/powerpoint/2010/main" xmlns="" val="2579396880"/>
       </p:ext>
     </p:extLst>
   </p:cSld>
   <p:clrMapOvr>
     <a:masterClrMapping/>
   </p:clrMapOvr>
-  <p:timing>
-    <p:tnLst>
-      <p:par>
-        <p:cTn id="1" dur="indefinite" restart="never" nodeType="tmRoot"/>
-      </p:par>
-    </p:tnLst>
-  </p:timing>
 </p:sld>
 </file>
 
@@ -4986,14 +4928,7 @@
                 <a:latin typeface="Arial" pitchFamily="34" charset="0"/>
                 <a:cs typeface="Arial" pitchFamily="34" charset="0"/>
               </a:rPr>
-              <a:t>inner / equi </a:t>
-            </a:r>
-            <a:r>
-              <a:rPr lang="en-US" sz="3200" b="1" i="1" dirty="0">
-                <a:latin typeface="Arial" pitchFamily="34" charset="0"/>
-                <a:cs typeface="Arial" pitchFamily="34" charset="0"/>
-              </a:rPr>
-              <a:t>join</a:t>
+              <a:t>cartesian, product / cross join</a:t>
             </a:r>
             <a:endParaRPr lang="en-IN" sz="3200" b="1" i="1" dirty="0">
               <a:latin typeface="Arial" pitchFamily="34" charset="0"/>
@@ -5010,8 +4945,8 @@
         </p:nvSpPr>
         <p:spPr>
           <a:xfrm>
-            <a:off x="198000" y="936000"/>
-            <a:ext cx="11665296" cy="646331"/>
+            <a:off x="197346" y="936000"/>
+            <a:ext cx="11586492" cy="648000"/>
           </a:xfrm>
           <a:prstGeom prst="rect">
             <a:avLst/>
@@ -5024,58 +4959,25 @@
           <a:lstStyle/>
           <a:p>
             <a:r>
-              <a:rPr lang="en-IN" dirty="0">
+              <a:rPr lang="en-US" dirty="0">
                 <a:latin typeface="Palatino Linotype" panose="02040502050505030304" pitchFamily="18" charset="0"/>
                 <a:cs typeface="Arial" panose="020B0604020202020204" pitchFamily="34" charset="0"/>
               </a:rPr>
-              <a:t>EQUI JOIN performs a JOIN against equality or matching column(s) values of the associated tables. An equal sign (=) is used as comparison operator in the where clause to refer equality.</a:t>
-            </a:r>
-          </a:p>
-        </p:txBody>
-      </p:sp>
-      <p:sp>
-        <p:nvSpPr>
-          <p:cNvPr id="8" name="Rectangle 7">
+              <a:t>Cartesian or Product joins are joins without a join condition. Each row of one table is combined with each row of another table. The result is referred to as a Cartesian product.</a:t>
+            </a:r>
+            <a:endParaRPr lang="en-IN" dirty="0">
+              <a:latin typeface="Palatino Linotype" panose="02040502050505030304" pitchFamily="18" charset="0"/>
+              <a:cs typeface="Arial" panose="020B0604020202020204" pitchFamily="34" charset="0"/>
+            </a:endParaRPr>
+          </a:p>
+        </p:txBody>
+      </p:sp>
+      <p:pic>
+        <p:nvPicPr>
+          <p:cNvPr id="10" name="Picture 9">
             <a:extLst>
               <a:ext uri="{FF2B5EF4-FFF2-40B4-BE49-F238E27FC236}">
-                <a16:creationId xmlns="" xmlns:a16="http://schemas.microsoft.com/office/drawing/2014/main" id="{64E59AB9-D23B-4A69-B7D4-4733E25BD424}"/>
-              </a:ext>
-            </a:extLst>
-          </p:cNvPr>
-          <p:cNvSpPr/>
-          <p:nvPr/>
-        </p:nvSpPr>
-        <p:spPr>
-          <a:xfrm>
-            <a:off x="478582" y="5867980"/>
-            <a:ext cx="10775726" cy="369332"/>
-          </a:xfrm>
-          <a:prstGeom prst="rect">
-            <a:avLst/>
-          </a:prstGeom>
-          <a:noFill/>
-        </p:spPr>
-        <p:txBody>
-          <a:bodyPr wrap="square">
-            <a:spAutoFit/>
-          </a:bodyPr>
-          <a:lstStyle/>
-          <a:p>
-            <a:r>
-              <a:rPr lang="en-IN" dirty="0">
-                <a:latin typeface="Palatino Linotype" pitchFamily="18" charset="0"/>
-              </a:rPr>
-              <a:t>EQUI join returns rows when there is at least one match in both tables.</a:t>
-            </a:r>
-          </a:p>
-        </p:txBody>
-      </p:sp>
-      <p:pic>
-        <p:nvPicPr>
-          <p:cNvPr id="7" name="Picture 6">
-            <a:extLst>
-              <a:ext uri="{FF2B5EF4-FFF2-40B4-BE49-F238E27FC236}">
-                <a16:creationId xmlns="" xmlns:a16="http://schemas.microsoft.com/office/drawing/2014/main" id="{D549EEF8-0DDC-4ADB-8B68-691DD0B6B1E9}"/>
+                <a16:creationId xmlns:a16="http://schemas.microsoft.com/office/drawing/2014/main" xmlns="" id="{DC1AD0D1-FD35-4B55-84D6-1ED3F558EF4B}"/>
               </a:ext>
             </a:extLst>
           </p:cNvPr>
@@ -5088,7 +4990,7 @@
           <a:blip r:embed="rId2" cstate="print">
             <a:extLst>
               <a:ext uri="{28A0092B-C50C-407E-A947-70E740481C1C}">
-                <a14:useLocalDpi xmlns="" xmlns:a14="http://schemas.microsoft.com/office/drawing/2010/main" val="0"/>
+                <a14:useLocalDpi xmlns:a14="http://schemas.microsoft.com/office/drawing/2010/main" xmlns="" val="0"/>
               </a:ext>
             </a:extLst>
           </a:blip>
@@ -5108,10 +5010,10 @@
       </p:pic>
       <p:sp>
         <p:nvSpPr>
-          <p:cNvPr id="9" name="Footer Placeholder 2">
+          <p:cNvPr id="11" name="Footer Placeholder 2">
             <a:extLst>
               <a:ext uri="{FF2B5EF4-FFF2-40B4-BE49-F238E27FC236}">
-                <a16:creationId xmlns="" xmlns:a16="http://schemas.microsoft.com/office/drawing/2014/main" id="{FE7D71F0-97C1-4A7C-A634-BE2CA956F0C6}"/>
+                <a16:creationId xmlns:a16="http://schemas.microsoft.com/office/drawing/2014/main" xmlns="" id="{9136102A-0328-4024-96D1-832FE306DC26}"/>
               </a:ext>
             </a:extLst>
           </p:cNvPr>
@@ -5254,8 +5156,8 @@
         </p:blipFill>
         <p:spPr>
           <a:xfrm>
-            <a:off x="1188293" y="1982445"/>
-            <a:ext cx="9505056" cy="3398456"/>
+            <a:off x="1342678" y="1919734"/>
+            <a:ext cx="8848725" cy="4152900"/>
           </a:xfrm>
           <a:prstGeom prst="rect">
             <a:avLst/>
@@ -5265,7 +5167,7 @@
     </p:spTree>
     <p:extLst>
       <p:ext uri="{BB962C8B-B14F-4D97-AF65-F5344CB8AC3E}">
-        <p14:creationId xmlns="" xmlns:p14="http://schemas.microsoft.com/office/powerpoint/2010/main" val="3160401395"/>
+        <p14:creationId xmlns:p14="http://schemas.microsoft.com/office/powerpoint/2010/main" xmlns="" val="4233626751"/>
       </p:ext>
     </p:extLst>
   </p:cSld>
@@ -5329,21 +5231,14 @@
                 <a:latin typeface="Arial" pitchFamily="34" charset="0"/>
                 <a:cs typeface="Arial" pitchFamily="34" charset="0"/>
               </a:rPr>
-              <a:t>left </a:t>
+              <a:t>inner / equi </a:t>
             </a:r>
             <a:r>
               <a:rPr lang="en-US" sz="3200" b="1" i="1" dirty="0">
                 <a:latin typeface="Arial" pitchFamily="34" charset="0"/>
                 <a:cs typeface="Arial" pitchFamily="34" charset="0"/>
               </a:rPr>
-              <a:t>o</a:t>
-            </a:r>
-            <a:r>
-              <a:rPr lang="en-US" sz="3200" b="1" i="1" dirty="0" smtClean="0">
-                <a:latin typeface="Arial" pitchFamily="34" charset="0"/>
-                <a:cs typeface="Arial" pitchFamily="34" charset="0"/>
-              </a:rPr>
-              <a:t>uter join </a:t>
+              <a:t>join</a:t>
             </a:r>
             <a:endParaRPr lang="en-IN" sz="3200" b="1" i="1" dirty="0">
               <a:latin typeface="Arial" pitchFamily="34" charset="0"/>
@@ -5354,14 +5249,14 @@
       </p:sp>
       <p:sp>
         <p:nvSpPr>
-          <p:cNvPr id="42" name="Rectangle 41"/>
+          <p:cNvPr id="5" name="Rectangle 4"/>
           <p:cNvSpPr/>
           <p:nvPr/>
         </p:nvSpPr>
         <p:spPr>
           <a:xfrm>
             <a:off x="198000" y="936000"/>
-            <a:ext cx="11737304" cy="646331"/>
+            <a:ext cx="11665296" cy="646331"/>
           </a:xfrm>
           <a:prstGeom prst="rect">
             <a:avLst/>
@@ -5378,35 +5273,44 @@
                 <a:latin typeface="Palatino Linotype" panose="02040502050505030304" pitchFamily="18" charset="0"/>
                 <a:cs typeface="Arial" panose="020B0604020202020204" pitchFamily="34" charset="0"/>
               </a:rPr>
-              <a:t>The </a:t>
-            </a:r>
-            <a:r>
-              <a:rPr lang="en-IN" b="1" dirty="0">
-                <a:latin typeface="Palatino Linotype" panose="02040502050505030304" pitchFamily="18" charset="0"/>
-                <a:cs typeface="Arial" panose="020B0604020202020204" pitchFamily="34" charset="0"/>
+              <a:t>EQUI JOIN performs a JOIN against equality or matching column(s) values of the associated tables. An equal sign (=) is used as comparison operator in the where clause to refer equality.</a:t>
+            </a:r>
+          </a:p>
+        </p:txBody>
+      </p:sp>
+      <p:sp>
+        <p:nvSpPr>
+          <p:cNvPr id="8" name="Rectangle 7">
+            <a:extLst>
+              <a:ext uri="{FF2B5EF4-FFF2-40B4-BE49-F238E27FC236}">
+                <a16:creationId xmlns:a16="http://schemas.microsoft.com/office/drawing/2014/main" xmlns="" id="{64E59AB9-D23B-4A69-B7D4-4733E25BD424}"/>
+              </a:ext>
+            </a:extLst>
+          </p:cNvPr>
+          <p:cNvSpPr/>
+          <p:nvPr/>
+        </p:nvSpPr>
+        <p:spPr>
+          <a:xfrm>
+            <a:off x="478582" y="5867980"/>
+            <a:ext cx="10775726" cy="369332"/>
+          </a:xfrm>
+          <a:prstGeom prst="rect">
+            <a:avLst/>
+          </a:prstGeom>
+          <a:noFill/>
+        </p:spPr>
+        <p:txBody>
+          <a:bodyPr wrap="square">
+            <a:spAutoFit/>
+          </a:bodyPr>
+          <a:lstStyle/>
+          <a:p>
+            <a:r>
+              <a:rPr lang="en-IN" dirty="0">
+                <a:latin typeface="Palatino Linotype" pitchFamily="18" charset="0"/>
               </a:rPr>
-              <a:t>LEFT</a:t>
-            </a:r>
-            <a:r>
-              <a:rPr lang="en-IN" dirty="0">
-                <a:latin typeface="Palatino Linotype" panose="02040502050505030304" pitchFamily="18" charset="0"/>
-                <a:cs typeface="Arial" panose="020B0604020202020204" pitchFamily="34" charset="0"/>
-              </a:rPr>
-              <a:t> </a:t>
-            </a:r>
-            <a:r>
-              <a:rPr lang="en-IN" b="1" dirty="0">
-                <a:latin typeface="Palatino Linotype" panose="02040502050505030304" pitchFamily="18" charset="0"/>
-                <a:cs typeface="Arial" panose="020B0604020202020204" pitchFamily="34" charset="0"/>
-              </a:rPr>
-              <a:t>JOIN</a:t>
-            </a:r>
-            <a:r>
-              <a:rPr lang="en-IN" dirty="0">
-                <a:latin typeface="Palatino Linotype" panose="02040502050505030304" pitchFamily="18" charset="0"/>
-                <a:cs typeface="Arial" panose="020B0604020202020204" pitchFamily="34" charset="0"/>
-              </a:rPr>
-              <a:t> keyword returns all rows from the left table (table1), with the matching rows in the right table (table2). The result is NULL in the right side when there is no match.</a:t>
+              <a:t>EQUI join returns rows when there is at least one match in both tables.</a:t>
             </a:r>
           </a:p>
         </p:txBody>
@@ -5416,7 +5320,7 @@
           <p:cNvPr id="7" name="Picture 6">
             <a:extLst>
               <a:ext uri="{FF2B5EF4-FFF2-40B4-BE49-F238E27FC236}">
-                <a16:creationId xmlns="" xmlns:a16="http://schemas.microsoft.com/office/drawing/2014/main" id="{673C5F90-0D53-4822-96AD-E561FE022953}"/>
+                <a16:creationId xmlns:a16="http://schemas.microsoft.com/office/drawing/2014/main" xmlns="" id="{D549EEF8-0DDC-4ADB-8B68-691DD0B6B1E9}"/>
               </a:ext>
             </a:extLst>
           </p:cNvPr>
@@ -5429,7 +5333,7 @@
           <a:blip r:embed="rId2" cstate="print">
             <a:extLst>
               <a:ext uri="{28A0092B-C50C-407E-A947-70E740481C1C}">
-                <a14:useLocalDpi xmlns="" xmlns:a14="http://schemas.microsoft.com/office/drawing/2010/main" val="0"/>
+                <a14:useLocalDpi xmlns:a14="http://schemas.microsoft.com/office/drawing/2010/main" xmlns="" val="0"/>
               </a:ext>
             </a:extLst>
           </a:blip>
@@ -5449,10 +5353,10 @@
       </p:pic>
       <p:sp>
         <p:nvSpPr>
-          <p:cNvPr id="8" name="Footer Placeholder 2">
+          <p:cNvPr id="9" name="Footer Placeholder 2">
             <a:extLst>
               <a:ext uri="{FF2B5EF4-FFF2-40B4-BE49-F238E27FC236}">
-                <a16:creationId xmlns="" xmlns:a16="http://schemas.microsoft.com/office/drawing/2014/main" id="{E1A25237-EAF2-44A9-AD9F-3B42445F3CFA}"/>
+                <a16:creationId xmlns:a16="http://schemas.microsoft.com/office/drawing/2014/main" xmlns="" id="{FE7D71F0-97C1-4A7C-A634-BE2CA956F0C6}"/>
               </a:ext>
             </a:extLst>
           </p:cNvPr>
@@ -5595,8 +5499,8 @@
         </p:blipFill>
         <p:spPr>
           <a:xfrm>
-            <a:off x="1337468" y="2035646"/>
-            <a:ext cx="9515475" cy="4057650"/>
+            <a:off x="1188293" y="1982445"/>
+            <a:ext cx="9505056" cy="3398456"/>
           </a:xfrm>
           <a:prstGeom prst="rect">
             <a:avLst/>
@@ -5606,7 +5510,7 @@
     </p:spTree>
     <p:extLst>
       <p:ext uri="{BB962C8B-B14F-4D97-AF65-F5344CB8AC3E}">
-        <p14:creationId xmlns="" xmlns:p14="http://schemas.microsoft.com/office/powerpoint/2010/main" val="2210990177"/>
+        <p14:creationId xmlns:p14="http://schemas.microsoft.com/office/powerpoint/2010/main" xmlns="" val="3160401395"/>
       </p:ext>
     </p:extLst>
   </p:cSld>
@@ -5670,7 +5574,7 @@
                 <a:latin typeface="Arial" pitchFamily="34" charset="0"/>
                 <a:cs typeface="Arial" pitchFamily="34" charset="0"/>
               </a:rPr>
-              <a:t>right </a:t>
+              <a:t>left </a:t>
             </a:r>
             <a:r>
               <a:rPr lang="en-US" sz="3200" b="1" i="1" dirty="0">
@@ -5684,21 +5588,7 @@
                 <a:latin typeface="Arial" pitchFamily="34" charset="0"/>
                 <a:cs typeface="Arial" pitchFamily="34" charset="0"/>
               </a:rPr>
-              <a:t>uter </a:t>
-            </a:r>
-            <a:r>
-              <a:rPr lang="en-US" sz="3200" b="1" i="1" dirty="0">
-                <a:latin typeface="Arial" pitchFamily="34" charset="0"/>
-                <a:cs typeface="Arial" pitchFamily="34" charset="0"/>
-              </a:rPr>
-              <a:t>j</a:t>
-            </a:r>
-            <a:r>
-              <a:rPr lang="en-US" sz="3200" b="1" i="1" dirty="0" smtClean="0">
-                <a:latin typeface="Arial" pitchFamily="34" charset="0"/>
-                <a:cs typeface="Arial" pitchFamily="34" charset="0"/>
-              </a:rPr>
-              <a:t>oin</a:t>
+              <a:t>uter join </a:t>
             </a:r>
             <a:endParaRPr lang="en-IN" sz="3200" b="1" i="1" dirty="0">
               <a:latin typeface="Arial" pitchFamily="34" charset="0"/>
@@ -5709,14 +5599,14 @@
       </p:sp>
       <p:sp>
         <p:nvSpPr>
-          <p:cNvPr id="34" name="Rectangle 33"/>
+          <p:cNvPr id="42" name="Rectangle 41"/>
           <p:cNvSpPr/>
           <p:nvPr/>
         </p:nvSpPr>
         <p:spPr>
           <a:xfrm>
             <a:off x="198000" y="936000"/>
-            <a:ext cx="11881320" cy="646331"/>
+            <a:ext cx="11737304" cy="646331"/>
           </a:xfrm>
           <a:prstGeom prst="rect">
             <a:avLst/>
@@ -5740,7 +5630,7 @@
                 <a:latin typeface="Palatino Linotype" panose="02040502050505030304" pitchFamily="18" charset="0"/>
                 <a:cs typeface="Arial" panose="020B0604020202020204" pitchFamily="34" charset="0"/>
               </a:rPr>
-              <a:t>RIGHT</a:t>
+              <a:t>LEFT</a:t>
             </a:r>
             <a:r>
               <a:rPr lang="en-IN" dirty="0">
@@ -5761,7 +5651,7 @@
                 <a:latin typeface="Palatino Linotype" panose="02040502050505030304" pitchFamily="18" charset="0"/>
                 <a:cs typeface="Arial" panose="020B0604020202020204" pitchFamily="34" charset="0"/>
               </a:rPr>
-              <a:t> keyword returns all rows from the right table (table2), with the matching rows in the left table (table1). The result is NULL in the left side when there is no match.</a:t>
+              <a:t> keyword returns all rows from the left table (table1), with the matching rows in the right table (table2). The result is NULL in the right side when there is no match.</a:t>
             </a:r>
           </a:p>
         </p:txBody>
@@ -5771,7 +5661,7 @@
           <p:cNvPr id="7" name="Picture 6">
             <a:extLst>
               <a:ext uri="{FF2B5EF4-FFF2-40B4-BE49-F238E27FC236}">
-                <a16:creationId xmlns="" xmlns:a16="http://schemas.microsoft.com/office/drawing/2014/main" id="{09BC3450-AA35-49AC-835F-AD0371AC796C}"/>
+                <a16:creationId xmlns:a16="http://schemas.microsoft.com/office/drawing/2014/main" xmlns="" id="{673C5F90-0D53-4822-96AD-E561FE022953}"/>
               </a:ext>
             </a:extLst>
           </p:cNvPr>
@@ -5784,7 +5674,7 @@
           <a:blip r:embed="rId2" cstate="print">
             <a:extLst>
               <a:ext uri="{28A0092B-C50C-407E-A947-70E740481C1C}">
-                <a14:useLocalDpi xmlns="" xmlns:a14="http://schemas.microsoft.com/office/drawing/2010/main" val="0"/>
+                <a14:useLocalDpi xmlns:a14="http://schemas.microsoft.com/office/drawing/2010/main" xmlns="" val="0"/>
               </a:ext>
             </a:extLst>
           </a:blip>
@@ -5807,7 +5697,362 @@
           <p:cNvPr id="8" name="Footer Placeholder 2">
             <a:extLst>
               <a:ext uri="{FF2B5EF4-FFF2-40B4-BE49-F238E27FC236}">
-                <a16:creationId xmlns="" xmlns:a16="http://schemas.microsoft.com/office/drawing/2014/main" id="{6A00BB9F-BA4C-4D2C-831C-35C6CF284EC0}"/>
+                <a16:creationId xmlns:a16="http://schemas.microsoft.com/office/drawing/2014/main" xmlns="" id="{E1A25237-EAF2-44A9-AD9F-3B42445F3CFA}"/>
+              </a:ext>
+            </a:extLst>
+          </p:cNvPr>
+          <p:cNvSpPr txBox="1">
+            <a:spLocks/>
+          </p:cNvSpPr>
+          <p:nvPr/>
+        </p:nvSpPr>
+        <p:spPr>
+          <a:xfrm>
+            <a:off x="3237431" y="6523037"/>
+            <a:ext cx="5400600" cy="365125"/>
+          </a:xfrm>
+          <a:prstGeom prst="rect">
+            <a:avLst/>
+          </a:prstGeom>
+        </p:spPr>
+        <p:txBody>
+          <a:bodyPr/>
+          <a:lstStyle>
+            <a:defPPr>
+              <a:defRPr lang="en-US"/>
+            </a:defPPr>
+            <a:lvl1pPr marL="0" algn="l" defTabSz="914400" rtl="0" eaLnBrk="1" latinLnBrk="0" hangingPunct="1">
+              <a:defRPr sz="1050" kern="1200">
+                <a:solidFill>
+                  <a:schemeClr val="tx1"/>
+                </a:solidFill>
+                <a:latin typeface="+mn-lt"/>
+                <a:ea typeface="+mn-ea"/>
+                <a:cs typeface="+mn-cs"/>
+              </a:defRPr>
+            </a:lvl1pPr>
+            <a:lvl2pPr marL="457200" algn="l" defTabSz="914400" rtl="0" eaLnBrk="1" latinLnBrk="0" hangingPunct="1">
+              <a:defRPr sz="1800" kern="1200">
+                <a:solidFill>
+                  <a:schemeClr val="tx1"/>
+                </a:solidFill>
+                <a:latin typeface="+mn-lt"/>
+                <a:ea typeface="+mn-ea"/>
+                <a:cs typeface="+mn-cs"/>
+              </a:defRPr>
+            </a:lvl2pPr>
+            <a:lvl3pPr marL="914400" algn="l" defTabSz="914400" rtl="0" eaLnBrk="1" latinLnBrk="0" hangingPunct="1">
+              <a:defRPr sz="1800" kern="1200">
+                <a:solidFill>
+                  <a:schemeClr val="tx1"/>
+                </a:solidFill>
+                <a:latin typeface="+mn-lt"/>
+                <a:ea typeface="+mn-ea"/>
+                <a:cs typeface="+mn-cs"/>
+              </a:defRPr>
+            </a:lvl3pPr>
+            <a:lvl4pPr marL="1371600" algn="l" defTabSz="914400" rtl="0" eaLnBrk="1" latinLnBrk="0" hangingPunct="1">
+              <a:defRPr sz="1800" kern="1200">
+                <a:solidFill>
+                  <a:schemeClr val="tx1"/>
+                </a:solidFill>
+                <a:latin typeface="+mn-lt"/>
+                <a:ea typeface="+mn-ea"/>
+                <a:cs typeface="+mn-cs"/>
+              </a:defRPr>
+            </a:lvl4pPr>
+            <a:lvl5pPr marL="1828800" algn="l" defTabSz="914400" rtl="0" eaLnBrk="1" latinLnBrk="0" hangingPunct="1">
+              <a:defRPr sz="1800" kern="1200">
+                <a:solidFill>
+                  <a:schemeClr val="tx1"/>
+                </a:solidFill>
+                <a:latin typeface="+mn-lt"/>
+                <a:ea typeface="+mn-ea"/>
+                <a:cs typeface="+mn-cs"/>
+              </a:defRPr>
+            </a:lvl5pPr>
+            <a:lvl6pPr marL="2286000" algn="l" defTabSz="914400" rtl="0" eaLnBrk="1" latinLnBrk="0" hangingPunct="1">
+              <a:defRPr sz="1800" kern="1200">
+                <a:solidFill>
+                  <a:schemeClr val="tx1"/>
+                </a:solidFill>
+                <a:latin typeface="+mn-lt"/>
+                <a:ea typeface="+mn-ea"/>
+                <a:cs typeface="+mn-cs"/>
+              </a:defRPr>
+            </a:lvl6pPr>
+            <a:lvl7pPr marL="2743200" algn="l" defTabSz="914400" rtl="0" eaLnBrk="1" latinLnBrk="0" hangingPunct="1">
+              <a:defRPr sz="1800" kern="1200">
+                <a:solidFill>
+                  <a:schemeClr val="tx1"/>
+                </a:solidFill>
+                <a:latin typeface="+mn-lt"/>
+                <a:ea typeface="+mn-ea"/>
+                <a:cs typeface="+mn-cs"/>
+              </a:defRPr>
+            </a:lvl7pPr>
+            <a:lvl8pPr marL="3200400" algn="l" defTabSz="914400" rtl="0" eaLnBrk="1" latinLnBrk="0" hangingPunct="1">
+              <a:defRPr sz="1800" kern="1200">
+                <a:solidFill>
+                  <a:schemeClr val="tx1"/>
+                </a:solidFill>
+                <a:latin typeface="+mn-lt"/>
+                <a:ea typeface="+mn-ea"/>
+                <a:cs typeface="+mn-cs"/>
+              </a:defRPr>
+            </a:lvl8pPr>
+            <a:lvl9pPr marL="3657600" algn="l" defTabSz="914400" rtl="0" eaLnBrk="1" latinLnBrk="0" hangingPunct="1">
+              <a:defRPr sz="1800" kern="1200">
+                <a:solidFill>
+                  <a:schemeClr val="tx1"/>
+                </a:solidFill>
+                <a:latin typeface="+mn-lt"/>
+                <a:ea typeface="+mn-ea"/>
+                <a:cs typeface="+mn-cs"/>
+              </a:defRPr>
+            </a:lvl9pPr>
+          </a:lstStyle>
+          <a:p>
+            <a:r>
+              <a:rPr lang="en-US" dirty="0"/>
+              <a:t>Infoway Technologies, 3rd  Floor Commerce Centre, Rambaug Colony, Paud Road Pune 411038</a:t>
+            </a:r>
+            <a:endParaRPr lang="en-IN" dirty="0"/>
+          </a:p>
+          <a:p>
+            <a:endParaRPr lang="en-US" dirty="0"/>
+          </a:p>
+        </p:txBody>
+      </p:sp>
+      <p:pic>
+        <p:nvPicPr>
+          <p:cNvPr id="2" name="Picture 1"/>
+          <p:cNvPicPr>
+            <a:picLocks noChangeAspect="1"/>
+          </p:cNvPicPr>
+          <p:nvPr/>
+        </p:nvPicPr>
+        <p:blipFill>
+          <a:blip r:embed="rId3"/>
+          <a:stretch>
+            <a:fillRect/>
+          </a:stretch>
+        </p:blipFill>
+        <p:spPr>
+          <a:xfrm>
+            <a:off x="1337468" y="2035646"/>
+            <a:ext cx="9515475" cy="4057650"/>
+          </a:xfrm>
+          <a:prstGeom prst="rect">
+            <a:avLst/>
+          </a:prstGeom>
+        </p:spPr>
+      </p:pic>
+    </p:spTree>
+    <p:extLst>
+      <p:ext uri="{BB962C8B-B14F-4D97-AF65-F5344CB8AC3E}">
+        <p14:creationId xmlns:p14="http://schemas.microsoft.com/office/powerpoint/2010/main" xmlns="" val="2210990177"/>
+      </p:ext>
+    </p:extLst>
+  </p:cSld>
+  <p:clrMapOvr>
+    <a:masterClrMapping/>
+  </p:clrMapOvr>
+  <p:timing>
+    <p:tnLst>
+      <p:par>
+        <p:cTn id="1" dur="indefinite" restart="never" nodeType="tmRoot"/>
+      </p:par>
+    </p:tnLst>
+  </p:timing>
+</p:sld>
+</file>
+
+<file path=ppt/slides/slide8.xml><?xml version="1.0" encoding="utf-8"?>
+<p:sld xmlns:a="http://schemas.openxmlformats.org/drawingml/2006/main" xmlns:r="http://schemas.openxmlformats.org/officeDocument/2006/relationships" xmlns:p="http://schemas.openxmlformats.org/presentationml/2006/main">
+  <p:cSld>
+    <p:spTree>
+      <p:nvGrpSpPr>
+        <p:cNvPr id="1" name=""/>
+        <p:cNvGrpSpPr/>
+        <p:nvPr/>
+      </p:nvGrpSpPr>
+      <p:grpSpPr>
+        <a:xfrm>
+          <a:off x="0" y="0"/>
+          <a:ext cx="0" cy="0"/>
+          <a:chOff x="0" y="0"/>
+          <a:chExt cx="0" cy="0"/>
+        </a:xfrm>
+      </p:grpSpPr>
+      <p:sp>
+        <p:nvSpPr>
+          <p:cNvPr id="4" name="Rectangle 3"/>
+          <p:cNvSpPr/>
+          <p:nvPr/>
+        </p:nvSpPr>
+        <p:spPr>
+          <a:xfrm>
+            <a:off x="1523802" y="2"/>
+            <a:ext cx="9142810" cy="584775"/>
+          </a:xfrm>
+          <a:prstGeom prst="rect">
+            <a:avLst/>
+          </a:prstGeom>
+          <a:solidFill>
+            <a:schemeClr val="bg1"/>
+          </a:solidFill>
+        </p:spPr>
+        <p:txBody>
+          <a:bodyPr wrap="square">
+            <a:spAutoFit/>
+          </a:bodyPr>
+          <a:lstStyle/>
+          <a:p>
+            <a:pPr algn="r"/>
+            <a:r>
+              <a:rPr lang="en-US" sz="3200" b="1" i="1" dirty="0" smtClean="0">
+                <a:latin typeface="Arial" pitchFamily="34" charset="0"/>
+                <a:cs typeface="Arial" pitchFamily="34" charset="0"/>
+              </a:rPr>
+              <a:t>right </a:t>
+            </a:r>
+            <a:r>
+              <a:rPr lang="en-US" sz="3200" b="1" i="1" dirty="0">
+                <a:latin typeface="Arial" pitchFamily="34" charset="0"/>
+                <a:cs typeface="Arial" pitchFamily="34" charset="0"/>
+              </a:rPr>
+              <a:t>o</a:t>
+            </a:r>
+            <a:r>
+              <a:rPr lang="en-US" sz="3200" b="1" i="1" dirty="0" smtClean="0">
+                <a:latin typeface="Arial" pitchFamily="34" charset="0"/>
+                <a:cs typeface="Arial" pitchFamily="34" charset="0"/>
+              </a:rPr>
+              <a:t>uter </a:t>
+            </a:r>
+            <a:r>
+              <a:rPr lang="en-US" sz="3200" b="1" i="1" dirty="0">
+                <a:latin typeface="Arial" pitchFamily="34" charset="0"/>
+                <a:cs typeface="Arial" pitchFamily="34" charset="0"/>
+              </a:rPr>
+              <a:t>j</a:t>
+            </a:r>
+            <a:r>
+              <a:rPr lang="en-US" sz="3200" b="1" i="1" dirty="0" smtClean="0">
+                <a:latin typeface="Arial" pitchFamily="34" charset="0"/>
+                <a:cs typeface="Arial" pitchFamily="34" charset="0"/>
+              </a:rPr>
+              <a:t>oin</a:t>
+            </a:r>
+            <a:endParaRPr lang="en-IN" sz="3200" b="1" i="1" dirty="0">
+              <a:latin typeface="Arial" pitchFamily="34" charset="0"/>
+              <a:cs typeface="Arial" pitchFamily="34" charset="0"/>
+            </a:endParaRPr>
+          </a:p>
+        </p:txBody>
+      </p:sp>
+      <p:sp>
+        <p:nvSpPr>
+          <p:cNvPr id="34" name="Rectangle 33"/>
+          <p:cNvSpPr/>
+          <p:nvPr/>
+        </p:nvSpPr>
+        <p:spPr>
+          <a:xfrm>
+            <a:off x="198000" y="936000"/>
+            <a:ext cx="11881320" cy="646331"/>
+          </a:xfrm>
+          <a:prstGeom prst="rect">
+            <a:avLst/>
+          </a:prstGeom>
+        </p:spPr>
+        <p:txBody>
+          <a:bodyPr wrap="square">
+            <a:spAutoFit/>
+          </a:bodyPr>
+          <a:lstStyle/>
+          <a:p>
+            <a:r>
+              <a:rPr lang="en-IN" dirty="0">
+                <a:latin typeface="Palatino Linotype" panose="02040502050505030304" pitchFamily="18" charset="0"/>
+                <a:cs typeface="Arial" panose="020B0604020202020204" pitchFamily="34" charset="0"/>
+              </a:rPr>
+              <a:t>The </a:t>
+            </a:r>
+            <a:r>
+              <a:rPr lang="en-IN" b="1" dirty="0">
+                <a:latin typeface="Palatino Linotype" panose="02040502050505030304" pitchFamily="18" charset="0"/>
+                <a:cs typeface="Arial" panose="020B0604020202020204" pitchFamily="34" charset="0"/>
+              </a:rPr>
+              <a:t>RIGHT</a:t>
+            </a:r>
+            <a:r>
+              <a:rPr lang="en-IN" dirty="0">
+                <a:latin typeface="Palatino Linotype" panose="02040502050505030304" pitchFamily="18" charset="0"/>
+                <a:cs typeface="Arial" panose="020B0604020202020204" pitchFamily="34" charset="0"/>
+              </a:rPr>
+              <a:t> </a:t>
+            </a:r>
+            <a:r>
+              <a:rPr lang="en-IN" b="1" dirty="0">
+                <a:latin typeface="Palatino Linotype" panose="02040502050505030304" pitchFamily="18" charset="0"/>
+                <a:cs typeface="Arial" panose="020B0604020202020204" pitchFamily="34" charset="0"/>
+              </a:rPr>
+              <a:t>JOIN</a:t>
+            </a:r>
+            <a:r>
+              <a:rPr lang="en-IN" dirty="0">
+                <a:latin typeface="Palatino Linotype" panose="02040502050505030304" pitchFamily="18" charset="0"/>
+                <a:cs typeface="Arial" panose="020B0604020202020204" pitchFamily="34" charset="0"/>
+              </a:rPr>
+              <a:t> keyword returns all rows from the right table (table2), with the matching rows in the left table (table1). The result is NULL in the left side when there is no match.</a:t>
+            </a:r>
+          </a:p>
+        </p:txBody>
+      </p:sp>
+      <p:pic>
+        <p:nvPicPr>
+          <p:cNvPr id="7" name="Picture 6">
+            <a:extLst>
+              <a:ext uri="{FF2B5EF4-FFF2-40B4-BE49-F238E27FC236}">
+                <a16:creationId xmlns:a16="http://schemas.microsoft.com/office/drawing/2014/main" xmlns="" id="{09BC3450-AA35-49AC-835F-AD0371AC796C}"/>
+              </a:ext>
+            </a:extLst>
+          </p:cNvPr>
+          <p:cNvPicPr>
+            <a:picLocks noChangeAspect="1"/>
+          </p:cNvPicPr>
+          <p:nvPr/>
+        </p:nvPicPr>
+        <p:blipFill>
+          <a:blip r:embed="rId2" cstate="print">
+            <a:extLst>
+              <a:ext uri="{28A0092B-C50C-407E-A947-70E740481C1C}">
+                <a14:useLocalDpi xmlns:a14="http://schemas.microsoft.com/office/drawing/2010/main" xmlns="" val="0"/>
+              </a:ext>
+            </a:extLst>
+          </a:blip>
+          <a:stretch>
+            <a:fillRect/>
+          </a:stretch>
+        </p:blipFill>
+        <p:spPr>
+          <a:xfrm>
+            <a:off x="118542" y="116632"/>
+            <a:ext cx="1371859" cy="445150"/>
+          </a:xfrm>
+          <a:prstGeom prst="rect">
+            <a:avLst/>
+          </a:prstGeom>
+        </p:spPr>
+      </p:pic>
+      <p:sp>
+        <p:nvSpPr>
+          <p:cNvPr id="8" name="Footer Placeholder 2">
+            <a:extLst>
+              <a:ext uri="{FF2B5EF4-FFF2-40B4-BE49-F238E27FC236}">
+                <a16:creationId xmlns:a16="http://schemas.microsoft.com/office/drawing/2014/main" xmlns="" id="{6A00BB9F-BA4C-4D2C-831C-35C6CF284EC0}"/>
               </a:ext>
             </a:extLst>
           </p:cNvPr>
@@ -5970,7 +6215,7 @@
     </p:spTree>
     <p:extLst>
       <p:ext uri="{BB962C8B-B14F-4D97-AF65-F5344CB8AC3E}">
-        <p14:creationId xmlns="" xmlns:p14="http://schemas.microsoft.com/office/powerpoint/2010/main" val="3506185651"/>
+        <p14:creationId xmlns:p14="http://schemas.microsoft.com/office/powerpoint/2010/main" xmlns="" val="3506185651"/>
       </p:ext>
     </p:extLst>
   </p:cSld>
